--- a/SetStats_lastRelease.pptx
+++ b/SetStats_lastRelease.pptx
@@ -9,9 +9,10 @@
     <p:sldId id="257" r:id="rId3"/>
     <p:sldId id="258" r:id="rId4"/>
     <p:sldId id="259" r:id="rId5"/>
-    <p:sldId id="260" r:id="rId6"/>
-    <p:sldId id="261" r:id="rId7"/>
-    <p:sldId id="262" r:id="rId8"/>
+    <p:sldId id="263" r:id="rId6"/>
+    <p:sldId id="260" r:id="rId7"/>
+    <p:sldId id="261" r:id="rId8"/>
+    <p:sldId id="262" r:id="rId9"/>
   </p:sldIdLst>
   <p:sldSz cx="12192000" cy="6858000"/>
   <p:notesSz cx="6858000" cy="9144000"/>
@@ -110,6 +111,11 @@
       </a:defRPr>
     </a:lvl9pPr>
   </p:defaultTextStyle>
+  <p:extLst>
+    <p:ext uri="{EFAFB233-063F-42B5-8137-9DF3F51BA10A}">
+      <p15:sldGuideLst xmlns:p15="http://schemas.microsoft.com/office/powerpoint/2012/main"/>
+    </p:ext>
+  </p:extLst>
 </p:presentation>
 </file>
 
@@ -760,7 +766,7 @@
             <a:fld id="{1E700B27-DE4C-4B9E-BB11-B9027034A00F}" type="datetimeFigureOut">
               <a:rPr lang="en-US" dirty="0"/>
               <a:pPr/>
-              <a:t>12/10/2021</a:t>
+              <a:t>12/13/2021</a:t>
             </a:fld>
             <a:endParaRPr lang="en-US" dirty="0"/>
           </a:p>
@@ -1876,7 +1882,7 @@
           <a:p>
             <a:fld id="{C40F4739-9812-4A9F-890D-2AD6BA5F6EE8}" type="datetimeFigureOut">
               <a:rPr lang="en-US" dirty="0"/>
-              <a:t>12/10/2021</a:t>
+              <a:t>12/13/2021</a:t>
             </a:fld>
             <a:endParaRPr lang="en-US" dirty="0"/>
           </a:p>
@@ -2883,7 +2889,7 @@
           <a:p>
             <a:fld id="{18845AC5-A3F8-44AA-BA8F-596CDCC976D3}" type="datetimeFigureOut">
               <a:rPr lang="en-US" dirty="0"/>
-              <a:t>12/10/2021</a:t>
+              <a:t>12/13/2021</a:t>
             </a:fld>
             <a:endParaRPr lang="en-US" dirty="0"/>
           </a:p>
@@ -4049,7 +4055,7 @@
           <a:p>
             <a:fld id="{C873B183-A821-4095-A363-9EC968635539}" type="datetimeFigureOut">
               <a:rPr lang="en-US" dirty="0"/>
-              <a:t>12/10/2021</a:t>
+              <a:t>12/13/2021</a:t>
             </a:fld>
             <a:endParaRPr lang="en-US" dirty="0"/>
           </a:p>
@@ -5106,7 +5112,7 @@
           <a:p>
             <a:fld id="{174D01B4-0AA5-45E6-B2E6-5FA4078AEBCF}" type="datetimeFigureOut">
               <a:rPr lang="en-US" dirty="0"/>
-              <a:t>12/10/2021</a:t>
+              <a:t>12/13/2021</a:t>
             </a:fld>
             <a:endParaRPr lang="en-US" dirty="0"/>
           </a:p>
@@ -5748,7 +5754,7 @@
           <a:p>
             <a:fld id="{4147335C-0450-40D7-8612-B3203BED4F28}" type="datetimeFigureOut">
               <a:rPr lang="en-US" dirty="0"/>
-              <a:t>12/10/2021</a:t>
+              <a:t>12/13/2021</a:t>
             </a:fld>
             <a:endParaRPr lang="en-US" dirty="0"/>
           </a:p>
@@ -6591,7 +6597,7 @@
           <a:p>
             <a:fld id="{D246A105-2A1C-4284-B4EA-07CF89B1A393}" type="datetimeFigureOut">
               <a:rPr lang="en-US" dirty="0"/>
-              <a:t>12/10/2021</a:t>
+              <a:t>12/13/2021</a:t>
             </a:fld>
             <a:endParaRPr lang="en-US" dirty="0"/>
           </a:p>
@@ -6762,7 +6768,7 @@
           <a:p>
             <a:fld id="{80DBE609-F3F2-45E6-BD6A-E03A8C86C1AE}" type="datetimeFigureOut">
               <a:rPr lang="en-US" dirty="0"/>
-              <a:t>12/10/2021</a:t>
+              <a:t>12/13/2021</a:t>
             </a:fld>
             <a:endParaRPr lang="en-US" dirty="0"/>
           </a:p>
@@ -7756,7 +7762,7 @@
           <a:p>
             <a:fld id="{7A24AD68-089C-4467-A8F3-EA2BBCA6B44E}" type="datetimeFigureOut">
               <a:rPr lang="en-US" dirty="0"/>
-              <a:t>12/10/2021</a:t>
+              <a:t>12/13/2021</a:t>
             </a:fld>
             <a:endParaRPr lang="en-US" dirty="0"/>
           </a:p>
@@ -7958,7 +7964,7 @@
           <a:p>
             <a:fld id="{75C51FCE-E4BB-4680-8E50-3C0E348D2609}" type="datetimeFigureOut">
               <a:rPr lang="en-US" dirty="0"/>
-              <a:t>12/10/2021</a:t>
+              <a:t>12/13/2021</a:t>
             </a:fld>
             <a:endParaRPr lang="en-US" dirty="0"/>
           </a:p>
@@ -9016,7 +9022,7 @@
           <a:p>
             <a:fld id="{8AAA073D-A903-47F8-8D16-77642FB0DF1F}" type="datetimeFigureOut">
               <a:rPr lang="en-US" dirty="0"/>
-              <a:t>12/10/2021</a:t>
+              <a:t>12/13/2021</a:t>
             </a:fld>
             <a:endParaRPr lang="en-US" dirty="0"/>
           </a:p>
@@ -9284,7 +9290,7 @@
           <a:p>
             <a:fld id="{AB91FA40-626B-4CA1-85D0-7A9016E395BA}" type="datetimeFigureOut">
               <a:rPr lang="en-US" dirty="0"/>
-              <a:t>12/10/2021</a:t>
+              <a:t>12/13/2021</a:t>
             </a:fld>
             <a:endParaRPr lang="en-US" dirty="0"/>
           </a:p>
@@ -9662,7 +9668,7 @@
           <a:p>
             <a:fld id="{C3F425EA-B9DC-48A7-991E-9A82573B1B21}" type="datetimeFigureOut">
               <a:rPr lang="en-US" dirty="0"/>
-              <a:t>12/10/2021</a:t>
+              <a:t>12/13/2021</a:t>
             </a:fld>
             <a:endParaRPr lang="en-US" dirty="0"/>
           </a:p>
@@ -9776,7 +9782,7 @@
           <a:p>
             <a:fld id="{66CB97F8-6CEB-469B-AFCC-889F2A2B1D5A}" type="datetimeFigureOut">
               <a:rPr lang="en-US" dirty="0"/>
-              <a:t>12/10/2021</a:t>
+              <a:t>12/13/2021</a:t>
             </a:fld>
             <a:endParaRPr lang="en-US" dirty="0"/>
           </a:p>
@@ -9867,7 +9873,7 @@
           <a:p>
             <a:fld id="{8FA9179F-009E-4FA5-B091-7EBB82A185BD}" type="datetimeFigureOut">
               <a:rPr lang="en-US" dirty="0"/>
-              <a:t>12/10/2021</a:t>
+              <a:t>12/13/2021</a:t>
             </a:fld>
             <a:endParaRPr lang="en-US" dirty="0"/>
           </a:p>
@@ -10972,7 +10978,7 @@
           <a:p>
             <a:fld id="{8E665CEB-0076-4E37-B880-BCEA9784DE0A}" type="datetimeFigureOut">
               <a:rPr lang="en-US" dirty="0"/>
-              <a:t>12/10/2021</a:t>
+              <a:t>12/13/2021</a:t>
             </a:fld>
             <a:endParaRPr lang="en-US" dirty="0"/>
           </a:p>
@@ -12101,7 +12107,7 @@
           <a:p>
             <a:fld id="{A6149E5E-3896-4118-99A7-7B85668F1C5E}" type="datetimeFigureOut">
               <a:rPr lang="en-US" dirty="0"/>
-              <a:t>12/10/2021</a:t>
+              <a:t>12/13/2021</a:t>
             </a:fld>
             <a:endParaRPr lang="en-US" dirty="0"/>
           </a:p>
@@ -13125,7 +13131,7 @@
           <a:p>
             <a:fld id="{7E0D914D-B099-4142-A885-11F276715148}" type="datetimeFigureOut">
               <a:rPr lang="en-US" dirty="0"/>
-              <a:t>12/10/2021</a:t>
+              <a:t>12/13/2021</a:t>
             </a:fld>
             <a:endParaRPr lang="en-US" dirty="0"/>
           </a:p>
@@ -14345,33 +14351,76 @@
               <a:rPr lang="en-IE" dirty="0" err="1"/>
               <a:t>Os.getENV</a:t>
             </a:r>
-            <a:endParaRPr lang="en-IE" dirty="0"/>
-          </a:p>
-          <a:p>
             <a:r>
               <a:rPr lang="en-IE" dirty="0"/>
-              <a:t>https</a:t>
+              <a:t> to grab variables for stuff.</a:t>
             </a:r>
           </a:p>
           <a:p>
             <a:r>
               <a:rPr lang="en-IE" dirty="0"/>
-              <a:t>hash/salt</a:t>
+              <a:t>https using </a:t>
             </a:r>
-          </a:p>
-          <a:p>
+            <a:r>
+              <a:rPr lang="en-IE" dirty="0" err="1"/>
+              <a:t>cloudflare</a:t>
+            </a:r>
             <a:r>
               <a:rPr lang="en-IE" dirty="0"/>
-              <a:t>Auth key for putty to instance</a:t>
+              <a:t>.</a:t>
             </a:r>
           </a:p>
           <a:p>
             <a:r>
               <a:rPr lang="en-IE" dirty="0"/>
-              <a:t>Mysql root password</a:t>
+              <a:t>We use Hashing and salting to protect passwords of users accounts</a:t>
             </a:r>
           </a:p>
           <a:p>
+            <a:r>
+              <a:rPr lang="en-IE" dirty="0"/>
+              <a:t>Auth key for putty to instance so only people with this private key can </a:t>
+            </a:r>
+            <a:r>
+              <a:rPr lang="en-IE" dirty="0" err="1"/>
+              <a:t>ssh</a:t>
+            </a:r>
+            <a:r>
+              <a:rPr lang="en-IE" dirty="0"/>
+              <a:t> into the AWS instance.</a:t>
+            </a:r>
+          </a:p>
+          <a:p>
+            <a:r>
+              <a:rPr lang="en-IE" dirty="0"/>
+              <a:t>Mysql root password so only people with this password, can log into and use Mysql on the instance. </a:t>
+            </a:r>
+          </a:p>
+          <a:p>
+            <a:r>
+              <a:rPr lang="en-IE" dirty="0"/>
+              <a:t>ETC </a:t>
+            </a:r>
+            <a:r>
+              <a:rPr lang="en-IE" dirty="0" err="1"/>
+              <a:t>ETC</a:t>
+            </a:r>
+            <a:r>
+              <a:rPr lang="en-IE" dirty="0"/>
+              <a:t> </a:t>
+            </a:r>
+            <a:r>
+              <a:rPr lang="en-IE" dirty="0" err="1"/>
+              <a:t>ETC</a:t>
+            </a:r>
+            <a:r>
+              <a:rPr lang="en-IE" dirty="0"/>
+              <a:t> </a:t>
+            </a:r>
+            <a:r>
+              <a:rPr lang="en-IE" dirty="0" err="1"/>
+              <a:t>ETC</a:t>
+            </a:r>
             <a:endParaRPr lang="en-IE" dirty="0"/>
           </a:p>
         </p:txBody>
@@ -14392,6 +14441,14 @@
 <file path=ppt/slides/slide4.xml><?xml version="1.0" encoding="utf-8"?>
 <p:sld xmlns:a="http://schemas.openxmlformats.org/drawingml/2006/main" xmlns:r="http://schemas.openxmlformats.org/officeDocument/2006/relationships" xmlns:p="http://schemas.openxmlformats.org/presentationml/2006/main">
   <p:cSld>
+    <p:bg>
+      <p:bgPr>
+        <a:solidFill>
+          <a:schemeClr val="bg1"/>
+        </a:solidFill>
+        <a:effectLst/>
+      </p:bgPr>
+    </p:bg>
     <p:spTree>
       <p:nvGrpSpPr>
         <p:cNvPr id="1" name=""/>
@@ -14406,6 +14463,991 @@
           <a:chExt cx="0" cy="0"/>
         </a:xfrm>
       </p:grpSpPr>
+      <p:grpSp>
+        <p:nvGrpSpPr>
+          <p:cNvPr id="12" name="Group 11">
+            <a:extLst>
+              <a:ext uri="{FF2B5EF4-FFF2-40B4-BE49-F238E27FC236}">
+                <a16:creationId xmlns:a16="http://schemas.microsoft.com/office/drawing/2014/main" id="{353BC003-D6B7-4BF0-937D-4A015F6DEB15}"/>
+              </a:ext>
+              <a:ext uri="{C183D7F6-B498-43B3-948B-1728B52AA6E4}">
+                <adec:decorative xmlns:adec="http://schemas.microsoft.com/office/drawing/2017/decorative" val="1"/>
+              </a:ext>
+            </a:extLst>
+          </p:cNvPr>
+          <p:cNvGrpSpPr>
+            <a:grpSpLocks noGrp="1" noUngrp="1" noRot="1" noChangeAspect="1" noMove="1" noResize="1"/>
+          </p:cNvGrpSpPr>
+          <p:nvPr>
+            <p:extLst>
+              <p:ext uri="{386F3935-93C4-4BCD-93E2-E3B085C9AB24}">
+                <p16:designElem xmlns:p16="http://schemas.microsoft.com/office/powerpoint/2015/main" val="1"/>
+              </p:ext>
+            </p:extLst>
+          </p:nvPr>
+        </p:nvGrpSpPr>
+        <p:grpSpPr>
+          <a:xfrm>
+            <a:off x="0" y="-9027"/>
+            <a:ext cx="12192000" cy="6867027"/>
+            <a:chOff x="0" y="-2373"/>
+            <a:chExt cx="12192000" cy="6867027"/>
+          </a:xfrm>
+        </p:grpSpPr>
+        <p:sp>
+          <p:nvSpPr>
+            <p:cNvPr id="13" name="Rectangle 12">
+              <a:extLst>
+                <a:ext uri="{FF2B5EF4-FFF2-40B4-BE49-F238E27FC236}">
+                  <a16:creationId xmlns:a16="http://schemas.microsoft.com/office/drawing/2014/main" id="{4903268C-2C5A-4507-9244-86102327B74A}"/>
+                </a:ext>
+                <a:ext uri="{C183D7F6-B498-43B3-948B-1728B52AA6E4}">
+                  <adec:decorative xmlns:adec="http://schemas.microsoft.com/office/drawing/2017/decorative" val="1"/>
+                </a:ext>
+              </a:extLst>
+            </p:cNvPr>
+            <p:cNvSpPr/>
+            <p:nvPr>
+              <p:extLst>
+                <p:ext uri="{386F3935-93C4-4BCD-93E2-E3B085C9AB24}">
+                  <p16:designElem xmlns:p16="http://schemas.microsoft.com/office/powerpoint/2015/main" val="1"/>
+                </p:ext>
+              </p:extLst>
+            </p:nvPr>
+          </p:nvSpPr>
+          <p:spPr>
+            <a:xfrm>
+              <a:off x="0" y="0"/>
+              <a:ext cx="12192000" cy="6858000"/>
+            </a:xfrm>
+            <a:prstGeom prst="rect">
+              <a:avLst/>
+            </a:prstGeom>
+            <a:blipFill>
+              <a:blip r:embed="rId2">
+                <a:duotone>
+                  <a:schemeClr val="dk2">
+                    <a:shade val="62000"/>
+                    <a:hueMod val="108000"/>
+                    <a:satMod val="164000"/>
+                    <a:lumMod val="69000"/>
+                  </a:schemeClr>
+                  <a:schemeClr val="dk2">
+                    <a:tint val="96000"/>
+                    <a:hueMod val="90000"/>
+                    <a:satMod val="130000"/>
+                    <a:lumMod val="134000"/>
+                  </a:schemeClr>
+                </a:duotone>
+              </a:blip>
+              <a:stretch>
+                <a:fillRect/>
+              </a:stretch>
+            </a:blipFill>
+            <a:ln>
+              <a:noFill/>
+            </a:ln>
+          </p:spPr>
+          <p:style>
+            <a:lnRef idx="2">
+              <a:schemeClr val="accent1">
+                <a:shade val="50000"/>
+              </a:schemeClr>
+            </a:lnRef>
+            <a:fillRef idx="1">
+              <a:schemeClr val="accent1"/>
+            </a:fillRef>
+            <a:effectRef idx="0">
+              <a:schemeClr val="accent1"/>
+            </a:effectRef>
+            <a:fontRef idx="minor">
+              <a:schemeClr val="lt1"/>
+            </a:fontRef>
+          </p:style>
+        </p:sp>
+        <p:sp>
+          <p:nvSpPr>
+            <p:cNvPr id="14" name="Oval 13">
+              <a:extLst>
+                <a:ext uri="{FF2B5EF4-FFF2-40B4-BE49-F238E27FC236}">
+                  <a16:creationId xmlns:a16="http://schemas.microsoft.com/office/drawing/2014/main" id="{539F7113-C588-46FB-ADDE-55CEC5981441}"/>
+                </a:ext>
+                <a:ext uri="{C183D7F6-B498-43B3-948B-1728B52AA6E4}">
+                  <adec:decorative xmlns:adec="http://schemas.microsoft.com/office/drawing/2017/decorative" val="1"/>
+                </a:ext>
+              </a:extLst>
+            </p:cNvPr>
+            <p:cNvSpPr/>
+            <p:nvPr>
+              <p:extLst>
+                <p:ext uri="{386F3935-93C4-4BCD-93E2-E3B085C9AB24}">
+                  <p16:designElem xmlns:p16="http://schemas.microsoft.com/office/powerpoint/2015/main" val="1"/>
+                </p:ext>
+              </p:extLst>
+            </p:nvPr>
+          </p:nvSpPr>
+          <p:spPr>
+            <a:xfrm>
+              <a:off x="3220" y="2667000"/>
+              <a:ext cx="4191000" cy="4191000"/>
+            </a:xfrm>
+            <a:prstGeom prst="ellipse">
+              <a:avLst/>
+            </a:prstGeom>
+            <a:gradFill flip="none" rotWithShape="1">
+              <a:gsLst>
+                <a:gs pos="0">
+                  <a:schemeClr val="bg2">
+                    <a:lumMod val="40000"/>
+                    <a:lumOff val="60000"/>
+                    <a:alpha val="11000"/>
+                  </a:schemeClr>
+                </a:gs>
+                <a:gs pos="75000">
+                  <a:schemeClr val="bg2">
+                    <a:lumMod val="40000"/>
+                    <a:lumOff val="60000"/>
+                    <a:alpha val="0"/>
+                  </a:schemeClr>
+                </a:gs>
+                <a:gs pos="36000">
+                  <a:schemeClr val="bg2">
+                    <a:lumMod val="40000"/>
+                    <a:lumOff val="60000"/>
+                    <a:alpha val="10000"/>
+                  </a:schemeClr>
+                </a:gs>
+              </a:gsLst>
+              <a:path path="circle">
+                <a:fillToRect l="50000" t="50000" r="50000" b="50000"/>
+              </a:path>
+              <a:tileRect/>
+            </a:gradFill>
+            <a:ln>
+              <a:noFill/>
+            </a:ln>
+            <a:effectLst/>
+          </p:spPr>
+          <p:style>
+            <a:lnRef idx="1">
+              <a:schemeClr val="accent1"/>
+            </a:lnRef>
+            <a:fillRef idx="3">
+              <a:schemeClr val="accent1"/>
+            </a:fillRef>
+            <a:effectRef idx="2">
+              <a:schemeClr val="accent1"/>
+            </a:effectRef>
+            <a:fontRef idx="minor">
+              <a:schemeClr val="lt1"/>
+            </a:fontRef>
+          </p:style>
+        </p:sp>
+        <p:sp>
+          <p:nvSpPr>
+            <p:cNvPr id="15" name="Oval 14">
+              <a:extLst>
+                <a:ext uri="{FF2B5EF4-FFF2-40B4-BE49-F238E27FC236}">
+                  <a16:creationId xmlns:a16="http://schemas.microsoft.com/office/drawing/2014/main" id="{B6481A55-E6DE-4B8B-9847-0230D12F7E38}"/>
+                </a:ext>
+                <a:ext uri="{C183D7F6-B498-43B3-948B-1728B52AA6E4}">
+                  <adec:decorative xmlns:adec="http://schemas.microsoft.com/office/drawing/2017/decorative" val="1"/>
+                </a:ext>
+              </a:extLst>
+            </p:cNvPr>
+            <p:cNvSpPr/>
+            <p:nvPr>
+              <p:extLst>
+                <p:ext uri="{386F3935-93C4-4BCD-93E2-E3B085C9AB24}">
+                  <p16:designElem xmlns:p16="http://schemas.microsoft.com/office/powerpoint/2015/main" val="1"/>
+                </p:ext>
+              </p:extLst>
+            </p:nvPr>
+          </p:nvSpPr>
+          <p:spPr>
+            <a:xfrm>
+              <a:off x="1750" y="2895600"/>
+              <a:ext cx="2362200" cy="2362200"/>
+            </a:xfrm>
+            <a:prstGeom prst="ellipse">
+              <a:avLst/>
+            </a:prstGeom>
+            <a:gradFill flip="none" rotWithShape="1">
+              <a:gsLst>
+                <a:gs pos="0">
+                  <a:schemeClr val="bg2">
+                    <a:lumMod val="40000"/>
+                    <a:lumOff val="60000"/>
+                    <a:alpha val="8000"/>
+                  </a:schemeClr>
+                </a:gs>
+                <a:gs pos="72000">
+                  <a:schemeClr val="bg2">
+                    <a:lumMod val="40000"/>
+                    <a:lumOff val="60000"/>
+                    <a:alpha val="0"/>
+                  </a:schemeClr>
+                </a:gs>
+                <a:gs pos="36000">
+                  <a:schemeClr val="bg2">
+                    <a:lumMod val="40000"/>
+                    <a:lumOff val="60000"/>
+                    <a:alpha val="8000"/>
+                  </a:schemeClr>
+                </a:gs>
+              </a:gsLst>
+              <a:path path="circle">
+                <a:fillToRect l="50000" t="50000" r="50000" b="50000"/>
+              </a:path>
+              <a:tileRect/>
+            </a:gradFill>
+            <a:ln>
+              <a:noFill/>
+            </a:ln>
+            <a:effectLst/>
+          </p:spPr>
+          <p:style>
+            <a:lnRef idx="1">
+              <a:schemeClr val="accent1"/>
+            </a:lnRef>
+            <a:fillRef idx="3">
+              <a:schemeClr val="accent1"/>
+            </a:fillRef>
+            <a:effectRef idx="2">
+              <a:schemeClr val="accent1"/>
+            </a:effectRef>
+            <a:fontRef idx="minor">
+              <a:schemeClr val="lt1"/>
+            </a:fontRef>
+          </p:style>
+        </p:sp>
+        <p:sp>
+          <p:nvSpPr>
+            <p:cNvPr id="16" name="Oval 15">
+              <a:extLst>
+                <a:ext uri="{FF2B5EF4-FFF2-40B4-BE49-F238E27FC236}">
+                  <a16:creationId xmlns:a16="http://schemas.microsoft.com/office/drawing/2014/main" id="{052FD8DB-2F6F-462A-9BF4-1E26C93321C4}"/>
+                </a:ext>
+                <a:ext uri="{C183D7F6-B498-43B3-948B-1728B52AA6E4}">
+                  <adec:decorative xmlns:adec="http://schemas.microsoft.com/office/drawing/2017/decorative" val="1"/>
+                </a:ext>
+              </a:extLst>
+            </p:cNvPr>
+            <p:cNvSpPr/>
+            <p:nvPr>
+              <p:extLst>
+                <p:ext uri="{386F3935-93C4-4BCD-93E2-E3B085C9AB24}">
+                  <p16:designElem xmlns:p16="http://schemas.microsoft.com/office/powerpoint/2015/main" val="1"/>
+                </p:ext>
+              </p:extLst>
+            </p:nvPr>
+          </p:nvSpPr>
+          <p:spPr>
+            <a:xfrm>
+              <a:off x="8609012" y="1676400"/>
+              <a:ext cx="2819400" cy="2819400"/>
+            </a:xfrm>
+            <a:prstGeom prst="ellipse">
+              <a:avLst/>
+            </a:prstGeom>
+            <a:gradFill flip="none" rotWithShape="1">
+              <a:gsLst>
+                <a:gs pos="0">
+                  <a:schemeClr val="bg2">
+                    <a:lumMod val="40000"/>
+                    <a:lumOff val="60000"/>
+                    <a:alpha val="7000"/>
+                  </a:schemeClr>
+                </a:gs>
+                <a:gs pos="69000">
+                  <a:schemeClr val="bg2">
+                    <a:lumMod val="40000"/>
+                    <a:lumOff val="60000"/>
+                    <a:alpha val="0"/>
+                  </a:schemeClr>
+                </a:gs>
+                <a:gs pos="36000">
+                  <a:schemeClr val="bg2">
+                    <a:lumMod val="40000"/>
+                    <a:lumOff val="60000"/>
+                    <a:alpha val="6000"/>
+                  </a:schemeClr>
+                </a:gs>
+              </a:gsLst>
+              <a:path path="circle">
+                <a:fillToRect l="50000" t="50000" r="50000" b="50000"/>
+              </a:path>
+              <a:tileRect/>
+            </a:gradFill>
+            <a:ln>
+              <a:noFill/>
+            </a:ln>
+            <a:effectLst/>
+          </p:spPr>
+          <p:style>
+            <a:lnRef idx="1">
+              <a:schemeClr val="accent1"/>
+            </a:lnRef>
+            <a:fillRef idx="3">
+              <a:schemeClr val="accent1"/>
+            </a:fillRef>
+            <a:effectRef idx="2">
+              <a:schemeClr val="accent1"/>
+            </a:effectRef>
+            <a:fontRef idx="minor">
+              <a:schemeClr val="lt1"/>
+            </a:fontRef>
+          </p:style>
+        </p:sp>
+        <p:sp>
+          <p:nvSpPr>
+            <p:cNvPr id="17" name="Oval 16">
+              <a:extLst>
+                <a:ext uri="{FF2B5EF4-FFF2-40B4-BE49-F238E27FC236}">
+                  <a16:creationId xmlns:a16="http://schemas.microsoft.com/office/drawing/2014/main" id="{BE52543D-8290-40DE-990A-27CC1992A361}"/>
+                </a:ext>
+                <a:ext uri="{C183D7F6-B498-43B3-948B-1728B52AA6E4}">
+                  <adec:decorative xmlns:adec="http://schemas.microsoft.com/office/drawing/2017/decorative" val="1"/>
+                </a:ext>
+              </a:extLst>
+            </p:cNvPr>
+            <p:cNvSpPr/>
+            <p:nvPr>
+              <p:extLst>
+                <p:ext uri="{386F3935-93C4-4BCD-93E2-E3B085C9AB24}">
+                  <p16:designElem xmlns:p16="http://schemas.microsoft.com/office/powerpoint/2015/main" val="1"/>
+                </p:ext>
+              </p:extLst>
+            </p:nvPr>
+          </p:nvSpPr>
+          <p:spPr>
+            <a:xfrm>
+              <a:off x="7999412" y="-2373"/>
+              <a:ext cx="1600200" cy="1600200"/>
+            </a:xfrm>
+            <a:prstGeom prst="ellipse">
+              <a:avLst/>
+            </a:prstGeom>
+            <a:gradFill flip="none" rotWithShape="1">
+              <a:gsLst>
+                <a:gs pos="0">
+                  <a:schemeClr val="bg2">
+                    <a:lumMod val="40000"/>
+                    <a:lumOff val="60000"/>
+                    <a:alpha val="14000"/>
+                  </a:schemeClr>
+                </a:gs>
+                <a:gs pos="73000">
+                  <a:schemeClr val="bg2">
+                    <a:lumMod val="40000"/>
+                    <a:lumOff val="60000"/>
+                    <a:alpha val="0"/>
+                  </a:schemeClr>
+                </a:gs>
+                <a:gs pos="36000">
+                  <a:schemeClr val="bg2">
+                    <a:lumMod val="40000"/>
+                    <a:lumOff val="60000"/>
+                    <a:alpha val="7000"/>
+                  </a:schemeClr>
+                </a:gs>
+              </a:gsLst>
+              <a:path path="circle">
+                <a:fillToRect l="50000" t="50000" r="50000" b="50000"/>
+              </a:path>
+              <a:tileRect/>
+            </a:gradFill>
+            <a:ln>
+              <a:noFill/>
+            </a:ln>
+            <a:effectLst/>
+          </p:spPr>
+          <p:style>
+            <a:lnRef idx="1">
+              <a:schemeClr val="accent1"/>
+            </a:lnRef>
+            <a:fillRef idx="3">
+              <a:schemeClr val="accent1"/>
+            </a:fillRef>
+            <a:effectRef idx="2">
+              <a:schemeClr val="accent1"/>
+            </a:effectRef>
+            <a:fontRef idx="minor">
+              <a:schemeClr val="lt1"/>
+            </a:fontRef>
+          </p:style>
+        </p:sp>
+        <p:sp>
+          <p:nvSpPr>
+            <p:cNvPr id="18" name="Oval 17">
+              <a:extLst>
+                <a:ext uri="{FF2B5EF4-FFF2-40B4-BE49-F238E27FC236}">
+                  <a16:creationId xmlns:a16="http://schemas.microsoft.com/office/drawing/2014/main" id="{8ECC693B-FBF3-45DD-849C-AC1B1B290539}"/>
+                </a:ext>
+                <a:ext uri="{C183D7F6-B498-43B3-948B-1728B52AA6E4}">
+                  <adec:decorative xmlns:adec="http://schemas.microsoft.com/office/drawing/2017/decorative" val="1"/>
+                </a:ext>
+              </a:extLst>
+            </p:cNvPr>
+            <p:cNvSpPr/>
+            <p:nvPr>
+              <p:extLst>
+                <p:ext uri="{386F3935-93C4-4BCD-93E2-E3B085C9AB24}">
+                  <p16:designElem xmlns:p16="http://schemas.microsoft.com/office/powerpoint/2015/main" val="1"/>
+                </p:ext>
+              </p:extLst>
+            </p:nvPr>
+          </p:nvSpPr>
+          <p:spPr>
+            <a:xfrm>
+              <a:off x="8609012" y="5874054"/>
+              <a:ext cx="990600" cy="990600"/>
+            </a:xfrm>
+            <a:prstGeom prst="ellipse">
+              <a:avLst/>
+            </a:prstGeom>
+            <a:gradFill flip="none" rotWithShape="1">
+              <a:gsLst>
+                <a:gs pos="0">
+                  <a:schemeClr val="bg2">
+                    <a:lumMod val="40000"/>
+                    <a:lumOff val="60000"/>
+                    <a:alpha val="14000"/>
+                  </a:schemeClr>
+                </a:gs>
+                <a:gs pos="66000">
+                  <a:schemeClr val="bg2">
+                    <a:lumMod val="40000"/>
+                    <a:lumOff val="60000"/>
+                    <a:alpha val="0"/>
+                  </a:schemeClr>
+                </a:gs>
+                <a:gs pos="36000">
+                  <a:schemeClr val="bg2">
+                    <a:lumMod val="40000"/>
+                    <a:lumOff val="60000"/>
+                    <a:alpha val="7000"/>
+                  </a:schemeClr>
+                </a:gs>
+              </a:gsLst>
+              <a:path path="circle">
+                <a:fillToRect l="50000" t="50000" r="50000" b="50000"/>
+              </a:path>
+              <a:tileRect/>
+            </a:gradFill>
+            <a:ln>
+              <a:noFill/>
+            </a:ln>
+            <a:effectLst/>
+          </p:spPr>
+          <p:style>
+            <a:lnRef idx="1">
+              <a:schemeClr val="accent1"/>
+            </a:lnRef>
+            <a:fillRef idx="3">
+              <a:schemeClr val="accent1"/>
+            </a:fillRef>
+            <a:effectRef idx="2">
+              <a:schemeClr val="accent1"/>
+            </a:effectRef>
+            <a:fontRef idx="minor">
+              <a:schemeClr val="lt1"/>
+            </a:fontRef>
+          </p:style>
+        </p:sp>
+        <p:sp>
+          <p:nvSpPr>
+            <p:cNvPr id="19" name="Rectangle 18">
+              <a:extLst>
+                <a:ext uri="{FF2B5EF4-FFF2-40B4-BE49-F238E27FC236}">
+                  <a16:creationId xmlns:a16="http://schemas.microsoft.com/office/drawing/2014/main" id="{56515BC8-A1CA-4EB4-81D8-6A891458F764}"/>
+                </a:ext>
+                <a:ext uri="{C183D7F6-B498-43B3-948B-1728B52AA6E4}">
+                  <adec:decorative xmlns:adec="http://schemas.microsoft.com/office/drawing/2017/decorative" val="1"/>
+                </a:ext>
+              </a:extLst>
+            </p:cNvPr>
+            <p:cNvSpPr/>
+            <p:nvPr>
+              <p:extLst>
+                <p:ext uri="{386F3935-93C4-4BCD-93E2-E3B085C9AB24}">
+                  <p16:designElem xmlns:p16="http://schemas.microsoft.com/office/powerpoint/2015/main" val="1"/>
+                </p:ext>
+              </p:extLst>
+            </p:nvPr>
+          </p:nvSpPr>
+          <p:spPr>
+            <a:xfrm>
+              <a:off x="5194608" y="402165"/>
+              <a:ext cx="6574058" cy="6053670"/>
+            </a:xfrm>
+            <a:prstGeom prst="rect">
+              <a:avLst/>
+            </a:prstGeom>
+            <a:solidFill>
+              <a:schemeClr val="bg1"/>
+            </a:solidFill>
+            <a:ln>
+              <a:noFill/>
+            </a:ln>
+            <a:effectLst/>
+          </p:spPr>
+          <p:style>
+            <a:lnRef idx="1">
+              <a:schemeClr val="accent1"/>
+            </a:lnRef>
+            <a:fillRef idx="3">
+              <a:schemeClr val="accent1"/>
+            </a:fillRef>
+            <a:effectRef idx="2">
+              <a:schemeClr val="accent1"/>
+            </a:effectRef>
+            <a:fontRef idx="minor">
+              <a:schemeClr val="lt1"/>
+            </a:fontRef>
+          </p:style>
+        </p:sp>
+        <p:sp>
+          <p:nvSpPr>
+            <p:cNvPr id="20" name="Freeform 5">
+              <a:extLst>
+                <a:ext uri="{FF2B5EF4-FFF2-40B4-BE49-F238E27FC236}">
+                  <a16:creationId xmlns:a16="http://schemas.microsoft.com/office/drawing/2014/main" id="{ED9E2ADE-2C74-4E7D-8701-6AE23ABD4DDF}"/>
+                </a:ext>
+                <a:ext uri="{C183D7F6-B498-43B3-948B-1728B52AA6E4}">
+                  <adec:decorative xmlns:adec="http://schemas.microsoft.com/office/drawing/2017/decorative" val="1"/>
+                </a:ext>
+              </a:extLst>
+            </p:cNvPr>
+            <p:cNvSpPr/>
+            <p:nvPr>
+              <p:extLst>
+                <p:ext uri="{386F3935-93C4-4BCD-93E2-E3B085C9AB24}">
+                  <p16:designElem xmlns:p16="http://schemas.microsoft.com/office/powerpoint/2015/main" val="1"/>
+                </p:ext>
+              </p:extLst>
+            </p:nvPr>
+          </p:nvSpPr>
+          <p:spPr bwMode="gray">
+            <a:xfrm rot="15922489">
+              <a:off x="3140485" y="1826078"/>
+              <a:ext cx="3299407" cy="440924"/>
+            </a:xfrm>
+            <a:custGeom>
+              <a:avLst/>
+              <a:gdLst/>
+              <a:ahLst/>
+              <a:cxnLst/>
+              <a:rect l="l" t="t" r="r" b="b"/>
+              <a:pathLst>
+                <a:path w="10000" h="5291">
+                  <a:moveTo>
+                    <a:pt x="85" y="2532"/>
+                  </a:moveTo>
+                  <a:cubicBezTo>
+                    <a:pt x="1736" y="3911"/>
+                    <a:pt x="7524" y="5298"/>
+                    <a:pt x="9958" y="5291"/>
+                  </a:cubicBezTo>
+                  <a:cubicBezTo>
+                    <a:pt x="9989" y="1958"/>
+                    <a:pt x="9969" y="3333"/>
+                    <a:pt x="10000" y="0"/>
+                  </a:cubicBezTo>
+                  <a:lnTo>
+                    <a:pt x="10000" y="0"/>
+                  </a:lnTo>
+                  <a:lnTo>
+                    <a:pt x="9667" y="204"/>
+                  </a:lnTo>
+                  <a:lnTo>
+                    <a:pt x="9334" y="400"/>
+                  </a:lnTo>
+                  <a:lnTo>
+                    <a:pt x="9001" y="590"/>
+                  </a:lnTo>
+                  <a:lnTo>
+                    <a:pt x="8667" y="753"/>
+                  </a:lnTo>
+                  <a:lnTo>
+                    <a:pt x="8333" y="917"/>
+                  </a:lnTo>
+                  <a:lnTo>
+                    <a:pt x="7999" y="1071"/>
+                  </a:lnTo>
+                  <a:lnTo>
+                    <a:pt x="7669" y="1202"/>
+                  </a:lnTo>
+                  <a:lnTo>
+                    <a:pt x="7333" y="1325"/>
+                  </a:lnTo>
+                  <a:lnTo>
+                    <a:pt x="7000" y="1440"/>
+                  </a:lnTo>
+                  <a:lnTo>
+                    <a:pt x="6673" y="1538"/>
+                  </a:lnTo>
+                  <a:lnTo>
+                    <a:pt x="6340" y="1636"/>
+                  </a:lnTo>
+                  <a:lnTo>
+                    <a:pt x="6013" y="1719"/>
+                  </a:lnTo>
+                  <a:lnTo>
+                    <a:pt x="5686" y="1784"/>
+                  </a:lnTo>
+                  <a:lnTo>
+                    <a:pt x="5359" y="1850"/>
+                  </a:lnTo>
+                  <a:lnTo>
+                    <a:pt x="5036" y="1906"/>
+                  </a:lnTo>
+                  <a:lnTo>
+                    <a:pt x="4717" y="1948"/>
+                  </a:lnTo>
+                  <a:lnTo>
+                    <a:pt x="4396" y="1980"/>
+                  </a:lnTo>
+                  <a:lnTo>
+                    <a:pt x="4079" y="2013"/>
+                  </a:lnTo>
+                  <a:lnTo>
+                    <a:pt x="3766" y="2029"/>
+                  </a:lnTo>
+                  <a:lnTo>
+                    <a:pt x="3454" y="2046"/>
+                  </a:lnTo>
+                  <a:lnTo>
+                    <a:pt x="3145" y="2053"/>
+                  </a:lnTo>
+                  <a:lnTo>
+                    <a:pt x="2839" y="2046"/>
+                  </a:lnTo>
+                  <a:lnTo>
+                    <a:pt x="2537" y="2046"/>
+                  </a:lnTo>
+                  <a:lnTo>
+                    <a:pt x="2238" y="2029"/>
+                  </a:lnTo>
+                  <a:lnTo>
+                    <a:pt x="1943" y="2004"/>
+                  </a:lnTo>
+                  <a:lnTo>
+                    <a:pt x="1653" y="1980"/>
+                  </a:lnTo>
+                  <a:lnTo>
+                    <a:pt x="1368" y="1955"/>
+                  </a:lnTo>
+                  <a:lnTo>
+                    <a:pt x="1085" y="1915"/>
+                  </a:lnTo>
+                  <a:lnTo>
+                    <a:pt x="806" y="1873"/>
+                  </a:lnTo>
+                  <a:lnTo>
+                    <a:pt x="533" y="1833"/>
+                  </a:lnTo>
+                  <a:lnTo>
+                    <a:pt x="0" y="1726"/>
+                  </a:lnTo>
+                  <a:cubicBezTo>
+                    <a:pt x="28" y="1995"/>
+                    <a:pt x="57" y="2263"/>
+                    <a:pt x="85" y="2532"/>
+                  </a:cubicBezTo>
+                  <a:close/>
+                </a:path>
+              </a:pathLst>
+            </a:custGeom>
+            <a:solidFill>
+              <a:schemeClr val="bg1">
+                <a:alpha val="20000"/>
+              </a:schemeClr>
+            </a:solidFill>
+            <a:ln>
+              <a:noFill/>
+            </a:ln>
+          </p:spPr>
+        </p:sp>
+        <p:sp>
+          <p:nvSpPr>
+            <p:cNvPr id="21" name="Freeform 5">
+              <a:extLst>
+                <a:ext uri="{FF2B5EF4-FFF2-40B4-BE49-F238E27FC236}">
+                  <a16:creationId xmlns:a16="http://schemas.microsoft.com/office/drawing/2014/main" id="{B7EBD6DC-7188-4268-9886-6535F41A6749}"/>
+                </a:ext>
+                <a:ext uri="{C183D7F6-B498-43B3-948B-1728B52AA6E4}">
+                  <adec:decorative xmlns:adec="http://schemas.microsoft.com/office/drawing/2017/decorative" val="1"/>
+                </a:ext>
+              </a:extLst>
+            </p:cNvPr>
+            <p:cNvSpPr/>
+            <p:nvPr>
+              <p:extLst>
+                <p:ext uri="{386F3935-93C4-4BCD-93E2-E3B085C9AB24}">
+                  <p16:designElem xmlns:p16="http://schemas.microsoft.com/office/powerpoint/2015/main" val="1"/>
+                </p:ext>
+              </p:extLst>
+            </p:nvPr>
+          </p:nvSpPr>
+          <p:spPr bwMode="gray">
+            <a:xfrm rot="16200000">
+              <a:off x="2229377" y="2801721"/>
+              <a:ext cx="6053670" cy="1254558"/>
+            </a:xfrm>
+            <a:custGeom>
+              <a:avLst/>
+              <a:gdLst/>
+              <a:ahLst/>
+              <a:cxnLst/>
+              <a:rect l="l" t="t" r="r" b="b"/>
+              <a:pathLst>
+                <a:path w="10000" h="8000">
+                  <a:moveTo>
+                    <a:pt x="0" y="0"/>
+                  </a:moveTo>
+                  <a:lnTo>
+                    <a:pt x="0" y="7970"/>
+                  </a:lnTo>
+                  <a:lnTo>
+                    <a:pt x="10000" y="8000"/>
+                  </a:lnTo>
+                  <a:lnTo>
+                    <a:pt x="10000" y="7"/>
+                  </a:lnTo>
+                  <a:lnTo>
+                    <a:pt x="10000" y="7"/>
+                  </a:lnTo>
+                  <a:lnTo>
+                    <a:pt x="9773" y="156"/>
+                  </a:lnTo>
+                  <a:lnTo>
+                    <a:pt x="9547" y="298"/>
+                  </a:lnTo>
+                  <a:lnTo>
+                    <a:pt x="9320" y="437"/>
+                  </a:lnTo>
+                  <a:lnTo>
+                    <a:pt x="9092" y="556"/>
+                  </a:lnTo>
+                  <a:lnTo>
+                    <a:pt x="8865" y="676"/>
+                  </a:lnTo>
+                  <a:lnTo>
+                    <a:pt x="8637" y="788"/>
+                  </a:lnTo>
+                  <a:lnTo>
+                    <a:pt x="8412" y="884"/>
+                  </a:lnTo>
+                  <a:lnTo>
+                    <a:pt x="8184" y="975"/>
+                  </a:lnTo>
+                  <a:lnTo>
+                    <a:pt x="7957" y="1058"/>
+                  </a:lnTo>
+                  <a:lnTo>
+                    <a:pt x="7734" y="1130"/>
+                  </a:lnTo>
+                  <a:lnTo>
+                    <a:pt x="7508" y="1202"/>
+                  </a:lnTo>
+                  <a:lnTo>
+                    <a:pt x="7285" y="1262"/>
+                  </a:lnTo>
+                  <a:lnTo>
+                    <a:pt x="7062" y="1309"/>
+                  </a:lnTo>
+                  <a:lnTo>
+                    <a:pt x="6840" y="1358"/>
+                  </a:lnTo>
+                  <a:lnTo>
+                    <a:pt x="6620" y="1399"/>
+                  </a:lnTo>
+                  <a:lnTo>
+                    <a:pt x="6402" y="1428"/>
+                  </a:lnTo>
+                  <a:lnTo>
+                    <a:pt x="6184" y="1453"/>
+                  </a:lnTo>
+                  <a:lnTo>
+                    <a:pt x="5968" y="1477"/>
+                  </a:lnTo>
+                  <a:lnTo>
+                    <a:pt x="5755" y="1488"/>
+                  </a:lnTo>
+                  <a:lnTo>
+                    <a:pt x="5542" y="1500"/>
+                  </a:lnTo>
+                  <a:lnTo>
+                    <a:pt x="5332" y="1506"/>
+                  </a:lnTo>
+                  <a:lnTo>
+                    <a:pt x="5124" y="1500"/>
+                  </a:lnTo>
+                  <a:lnTo>
+                    <a:pt x="4918" y="1500"/>
+                  </a:lnTo>
+                  <a:lnTo>
+                    <a:pt x="4714" y="1488"/>
+                  </a:lnTo>
+                  <a:lnTo>
+                    <a:pt x="4514" y="1470"/>
+                  </a:lnTo>
+                  <a:lnTo>
+                    <a:pt x="4316" y="1453"/>
+                  </a:lnTo>
+                  <a:lnTo>
+                    <a:pt x="4122" y="1434"/>
+                  </a:lnTo>
+                  <a:lnTo>
+                    <a:pt x="3929" y="1405"/>
+                  </a:lnTo>
+                  <a:lnTo>
+                    <a:pt x="3739" y="1374"/>
+                  </a:lnTo>
+                  <a:lnTo>
+                    <a:pt x="3553" y="1346"/>
+                  </a:lnTo>
+                  <a:lnTo>
+                    <a:pt x="3190" y="1267"/>
+                  </a:lnTo>
+                  <a:lnTo>
+                    <a:pt x="2842" y="1183"/>
+                  </a:lnTo>
+                  <a:lnTo>
+                    <a:pt x="2508" y="1095"/>
+                  </a:lnTo>
+                  <a:lnTo>
+                    <a:pt x="2192" y="998"/>
+                  </a:lnTo>
+                  <a:lnTo>
+                    <a:pt x="1890" y="897"/>
+                  </a:lnTo>
+                  <a:lnTo>
+                    <a:pt x="1610" y="788"/>
+                  </a:lnTo>
+                  <a:lnTo>
+                    <a:pt x="1347" y="681"/>
+                  </a:lnTo>
+                  <a:lnTo>
+                    <a:pt x="1105" y="574"/>
+                  </a:lnTo>
+                  <a:lnTo>
+                    <a:pt x="883" y="473"/>
+                  </a:lnTo>
+                  <a:lnTo>
+                    <a:pt x="686" y="377"/>
+                  </a:lnTo>
+                  <a:lnTo>
+                    <a:pt x="508" y="286"/>
+                  </a:lnTo>
+                  <a:lnTo>
+                    <a:pt x="358" y="210"/>
+                  </a:lnTo>
+                  <a:lnTo>
+                    <a:pt x="232" y="138"/>
+                  </a:lnTo>
+                  <a:lnTo>
+                    <a:pt x="59" y="35"/>
+                  </a:lnTo>
+                  <a:lnTo>
+                    <a:pt x="0" y="0"/>
+                  </a:lnTo>
+                  <a:lnTo>
+                    <a:pt x="0" y="0"/>
+                  </a:lnTo>
+                  <a:close/>
+                </a:path>
+              </a:pathLst>
+            </a:custGeom>
+            <a:solidFill>
+              <a:schemeClr val="bg1"/>
+            </a:solidFill>
+            <a:ln>
+              <a:noFill/>
+            </a:ln>
+          </p:spPr>
+        </p:sp>
+        <p:sp>
+          <p:nvSpPr>
+            <p:cNvPr id="22" name="Freeform 5">
+              <a:extLst>
+                <a:ext uri="{FF2B5EF4-FFF2-40B4-BE49-F238E27FC236}">
+                  <a16:creationId xmlns:a16="http://schemas.microsoft.com/office/drawing/2014/main" id="{493CCA32-0C37-4525-8FFC-D62C5EEFBE69}"/>
+                </a:ext>
+                <a:ext uri="{C183D7F6-B498-43B3-948B-1728B52AA6E4}">
+                  <adec:decorative xmlns:adec="http://schemas.microsoft.com/office/drawing/2017/decorative" val="1"/>
+                </a:ext>
+              </a:extLst>
+            </p:cNvPr>
+            <p:cNvSpPr>
+              <a:spLocks noEditPoints="1"/>
+            </p:cNvSpPr>
+            <p:nvPr>
+              <p:extLst>
+                <p:ext uri="{386F3935-93C4-4BCD-93E2-E3B085C9AB24}">
+                  <p16:designElem xmlns:p16="http://schemas.microsoft.com/office/powerpoint/2015/main" val="1"/>
+                </p:ext>
+              </p:extLst>
+            </p:nvPr>
+          </p:nvSpPr>
+          <p:spPr bwMode="gray">
+            <a:xfrm>
+              <a:off x="0" y="1587"/>
+              <a:ext cx="12192000" cy="6856413"/>
+            </a:xfrm>
+            <a:custGeom>
+              <a:avLst/>
+              <a:gdLst/>
+              <a:ahLst/>
+              <a:cxnLst/>
+              <a:rect l="0" t="0" r="r" b="b"/>
+              <a:pathLst>
+                <a:path w="15356" h="8638">
+                  <a:moveTo>
+                    <a:pt x="0" y="0"/>
+                  </a:moveTo>
+                  <a:lnTo>
+                    <a:pt x="0" y="8638"/>
+                  </a:lnTo>
+                  <a:lnTo>
+                    <a:pt x="15356" y="8638"/>
+                  </a:lnTo>
+                  <a:lnTo>
+                    <a:pt x="15356" y="0"/>
+                  </a:lnTo>
+                  <a:lnTo>
+                    <a:pt x="0" y="0"/>
+                  </a:lnTo>
+                  <a:close/>
+                  <a:moveTo>
+                    <a:pt x="14748" y="8038"/>
+                  </a:moveTo>
+                  <a:lnTo>
+                    <a:pt x="600" y="8038"/>
+                  </a:lnTo>
+                  <a:lnTo>
+                    <a:pt x="600" y="592"/>
+                  </a:lnTo>
+                  <a:lnTo>
+                    <a:pt x="14748" y="592"/>
+                  </a:lnTo>
+                  <a:lnTo>
+                    <a:pt x="14748" y="8038"/>
+                  </a:lnTo>
+                  <a:close/>
+                </a:path>
+              </a:pathLst>
+            </a:custGeom>
+            <a:solidFill>
+              <a:schemeClr val="bg1"/>
+            </a:solidFill>
+            <a:ln>
+              <a:noFill/>
+            </a:ln>
+          </p:spPr>
+        </p:sp>
+      </p:grpSp>
       <p:sp>
         <p:nvSpPr>
           <p:cNvPr id="2" name="Title 1">
@@ -14422,13 +15464,25 @@
             <p:ph type="title"/>
           </p:nvPr>
         </p:nvSpPr>
-        <p:spPr/>
+        <p:spPr>
+          <a:xfrm>
+            <a:off x="1154955" y="973668"/>
+            <a:ext cx="3133726" cy="1020232"/>
+          </a:xfrm>
+        </p:spPr>
         <p:txBody>
-          <a:bodyPr/>
+          <a:bodyPr>
+            <a:normAutofit/>
+          </a:bodyPr>
           <a:lstStyle/>
           <a:p>
+            <a:pPr>
+              <a:lnSpc>
+                <a:spcPct val="90000"/>
+              </a:lnSpc>
+            </a:pPr>
             <a:r>
-              <a:rPr lang="en-IE" dirty="0"/>
+              <a:rPr lang="en-IE" sz="3100"/>
               <a:t>SYSTEM ARCHITECTURE</a:t>
             </a:r>
           </a:p>
@@ -14436,10 +15490,10 @@
       </p:sp>
       <p:sp>
         <p:nvSpPr>
-          <p:cNvPr id="3" name="Content Placeholder 2">
+          <p:cNvPr id="9" name="Content Placeholder 8">
             <a:extLst>
               <a:ext uri="{FF2B5EF4-FFF2-40B4-BE49-F238E27FC236}">
-                <a16:creationId xmlns:a16="http://schemas.microsoft.com/office/drawing/2014/main" id="{FBB0646D-7821-4A2D-BE90-8246D64EAC35}"/>
+                <a16:creationId xmlns:a16="http://schemas.microsoft.com/office/drawing/2014/main" id="{3FF6B5B4-D416-4E1C-BB59-5826A62AA6C8}"/>
               </a:ext>
             </a:extLst>
           </p:cNvPr>
@@ -14450,14 +15504,217 @@
             <p:ph idx="1"/>
           </p:nvPr>
         </p:nvSpPr>
-        <p:spPr/>
+        <p:spPr>
+          <a:xfrm>
+            <a:off x="1154955" y="2120900"/>
+            <a:ext cx="3133726" cy="3898900"/>
+          </a:xfrm>
+        </p:spPr>
         <p:txBody>
-          <a:bodyPr/>
+          <a:bodyPr>
+            <a:normAutofit/>
+          </a:bodyPr>
           <a:lstStyle/>
           <a:p>
-            <a:endParaRPr lang="en-IE"/>
+            <a:pPr marL="0" indent="0">
+              <a:buNone/>
+            </a:pPr>
+            <a:r>
+              <a:rPr lang="en-US" b="1" dirty="0">
+                <a:solidFill>
+                  <a:schemeClr val="bg1"/>
+                </a:solidFill>
+              </a:rPr>
+              <a:t>Client:</a:t>
+            </a:r>
+          </a:p>
+          <a:p>
+            <a:pPr marL="0" indent="0">
+              <a:buNone/>
+            </a:pPr>
+            <a:r>
+              <a:rPr lang="en-US" sz="1400" dirty="0">
+                <a:solidFill>
+                  <a:schemeClr val="bg1"/>
+                </a:solidFill>
+              </a:rPr>
+              <a:t>The Website that you interact with.</a:t>
+            </a:r>
+          </a:p>
+          <a:p>
+            <a:pPr marL="0" indent="0">
+              <a:buNone/>
+            </a:pPr>
+            <a:r>
+              <a:rPr lang="en-US" b="1" dirty="0">
+                <a:solidFill>
+                  <a:schemeClr val="bg1"/>
+                </a:solidFill>
+              </a:rPr>
+              <a:t>Server:</a:t>
+            </a:r>
+          </a:p>
+          <a:p>
+            <a:pPr marL="0" indent="0">
+              <a:buNone/>
+            </a:pPr>
+            <a:r>
+              <a:rPr lang="en-US" sz="1400" dirty="0">
+                <a:solidFill>
+                  <a:schemeClr val="bg1"/>
+                </a:solidFill>
+              </a:rPr>
+              <a:t>The database, AWS, secret key, </a:t>
+            </a:r>
+            <a:r>
+              <a:rPr lang="en-US" sz="1400" dirty="0" err="1">
+                <a:solidFill>
+                  <a:schemeClr val="bg1"/>
+                </a:solidFill>
+              </a:rPr>
+              <a:t>FlaskApp</a:t>
+            </a:r>
+            <a:endParaRPr lang="en-US" sz="1400" dirty="0">
+              <a:solidFill>
+                <a:schemeClr val="bg1"/>
+              </a:solidFill>
+            </a:endParaRPr>
+          </a:p>
+          <a:p>
+            <a:pPr marL="0" indent="0">
+              <a:buNone/>
+            </a:pPr>
+            <a:r>
+              <a:rPr lang="en-US" b="1" dirty="0">
+                <a:solidFill>
+                  <a:schemeClr val="bg1"/>
+                </a:solidFill>
+              </a:rPr>
+              <a:t>Pubnub:</a:t>
+            </a:r>
+          </a:p>
+          <a:p>
+            <a:pPr marL="0" indent="0">
+              <a:buNone/>
+            </a:pPr>
+            <a:r>
+              <a:rPr lang="en-US" sz="1400" dirty="0">
+                <a:solidFill>
+                  <a:schemeClr val="bg1"/>
+                </a:solidFill>
+              </a:rPr>
+              <a:t>Communicator?</a:t>
+            </a:r>
+          </a:p>
+          <a:p>
+            <a:pPr marL="0" indent="0">
+              <a:buNone/>
+            </a:pPr>
+            <a:r>
+              <a:rPr lang="en-US" b="1" dirty="0">
+                <a:solidFill>
+                  <a:schemeClr val="bg1"/>
+                </a:solidFill>
+              </a:rPr>
+              <a:t>Pi Sensors:</a:t>
+            </a:r>
+          </a:p>
+          <a:p>
+            <a:pPr marL="0" indent="0">
+              <a:buNone/>
+            </a:pPr>
+            <a:r>
+              <a:rPr lang="en-US" sz="1400" dirty="0">
+                <a:solidFill>
+                  <a:schemeClr val="bg1"/>
+                </a:solidFill>
+              </a:rPr>
+              <a:t>The raspberry pi &amp; sensors that are connected to the bar.</a:t>
+            </a:r>
           </a:p>
         </p:txBody>
+      </p:sp>
+      <p:pic>
+        <p:nvPicPr>
+          <p:cNvPr id="5" name="Content Placeholder 4" descr="Diagram&#10;&#10;Description automatically generated">
+            <a:extLst>
+              <a:ext uri="{FF2B5EF4-FFF2-40B4-BE49-F238E27FC236}">
+                <a16:creationId xmlns:a16="http://schemas.microsoft.com/office/drawing/2014/main" id="{5C12221C-C5C5-4524-9DB7-827F5C7A9E46}"/>
+              </a:ext>
+            </a:extLst>
+          </p:cNvPr>
+          <p:cNvPicPr>
+            <a:picLocks noChangeAspect="1"/>
+          </p:cNvPicPr>
+          <p:nvPr/>
+        </p:nvPicPr>
+        <p:blipFill rotWithShape="1">
+          <a:blip r:embed="rId3"/>
+          <a:srcRect l="9934" t="14294" r="5997" b="13342"/>
+          <a:stretch/>
+        </p:blipFill>
+        <p:spPr>
+          <a:xfrm>
+            <a:off x="5194607" y="1631382"/>
+            <a:ext cx="6391533" cy="3595236"/>
+          </a:xfrm>
+          <a:prstGeom prst="rect">
+            <a:avLst/>
+          </a:prstGeom>
+        </p:spPr>
+      </p:pic>
+      <p:sp>
+        <p:nvSpPr>
+          <p:cNvPr id="24" name="Rectangle 23">
+            <a:extLst>
+              <a:ext uri="{FF2B5EF4-FFF2-40B4-BE49-F238E27FC236}">
+                <a16:creationId xmlns:a16="http://schemas.microsoft.com/office/drawing/2014/main" id="{5014FF2D-4863-43AA-82A7-958E9F743951}"/>
+              </a:ext>
+              <a:ext uri="{C183D7F6-B498-43B3-948B-1728B52AA6E4}">
+                <adec:decorative xmlns:adec="http://schemas.microsoft.com/office/drawing/2017/decorative" val="1"/>
+              </a:ext>
+            </a:extLst>
+          </p:cNvPr>
+          <p:cNvSpPr>
+            <a:spLocks noGrp="1" noRot="1" noChangeAspect="1" noMove="1" noResize="1" noEditPoints="1" noAdjustHandles="1" noChangeArrowheads="1" noChangeShapeType="1" noTextEdit="1"/>
+          </p:cNvSpPr>
+          <p:nvPr>
+            <p:extLst>
+              <p:ext uri="{386F3935-93C4-4BCD-93E2-E3B085C9AB24}">
+                <p16:designElem xmlns:p16="http://schemas.microsoft.com/office/powerpoint/2015/main" val="1"/>
+              </p:ext>
+            </p:extLst>
+          </p:nvPr>
+        </p:nvSpPr>
+        <p:spPr>
+          <a:xfrm>
+            <a:off x="10437812" y="0"/>
+            <a:ext cx="685800" cy="1143000"/>
+          </a:xfrm>
+          <a:prstGeom prst="rect">
+            <a:avLst/>
+          </a:prstGeom>
+          <a:solidFill>
+            <a:schemeClr val="accent1"/>
+          </a:solidFill>
+          <a:ln>
+            <a:noFill/>
+          </a:ln>
+        </p:spPr>
+        <p:style>
+          <a:lnRef idx="1">
+            <a:schemeClr val="accent1"/>
+          </a:lnRef>
+          <a:fillRef idx="3">
+            <a:schemeClr val="accent1"/>
+          </a:fillRef>
+          <a:effectRef idx="2">
+            <a:schemeClr val="accent1"/>
+          </a:effectRef>
+          <a:fontRef idx="minor">
+            <a:schemeClr val="lt1"/>
+          </a:fontRef>
+        </p:style>
       </p:sp>
     </p:spTree>
     <p:extLst>
@@ -14494,6 +15751,93 @@
           <p:cNvPr id="2" name="Title 1">
             <a:extLst>
               <a:ext uri="{FF2B5EF4-FFF2-40B4-BE49-F238E27FC236}">
+                <a16:creationId xmlns:a16="http://schemas.microsoft.com/office/drawing/2014/main" id="{68A11A74-C0E5-44A4-B2D9-552FD0AE3287}"/>
+              </a:ext>
+            </a:extLst>
+          </p:cNvPr>
+          <p:cNvSpPr>
+            <a:spLocks noGrp="1"/>
+          </p:cNvSpPr>
+          <p:nvPr>
+            <p:ph type="title"/>
+          </p:nvPr>
+        </p:nvSpPr>
+        <p:spPr/>
+        <p:txBody>
+          <a:bodyPr/>
+          <a:lstStyle/>
+          <a:p>
+            <a:pPr algn="ctr"/>
+            <a:r>
+              <a:rPr lang="en-IE" dirty="0"/>
+              <a:t>Database</a:t>
+            </a:r>
+          </a:p>
+        </p:txBody>
+      </p:sp>
+      <p:pic>
+        <p:nvPicPr>
+          <p:cNvPr id="5" name="Content Placeholder 4" descr="Diagram, table&#10;&#10;Description automatically generated">
+            <a:extLst>
+              <a:ext uri="{FF2B5EF4-FFF2-40B4-BE49-F238E27FC236}">
+                <a16:creationId xmlns:a16="http://schemas.microsoft.com/office/drawing/2014/main" id="{B84D0579-54A5-4F61-AB43-1BB9B14A75D7}"/>
+              </a:ext>
+            </a:extLst>
+          </p:cNvPr>
+          <p:cNvPicPr>
+            <a:picLocks noGrp="1" noChangeAspect="1"/>
+          </p:cNvPicPr>
+          <p:nvPr>
+            <p:ph idx="1"/>
+          </p:nvPr>
+        </p:nvPicPr>
+        <p:blipFill rotWithShape="1">
+          <a:blip r:embed="rId2"/>
+          <a:srcRect l="3851" t="11471" r="9299" b="5469"/>
+          <a:stretch/>
+        </p:blipFill>
+        <p:spPr>
+          <a:xfrm>
+            <a:off x="1690254" y="2355272"/>
+            <a:ext cx="8765309" cy="4422242"/>
+          </a:xfrm>
+        </p:spPr>
+      </p:pic>
+    </p:spTree>
+    <p:extLst>
+      <p:ext uri="{BB962C8B-B14F-4D97-AF65-F5344CB8AC3E}">
+        <p14:creationId xmlns:p14="http://schemas.microsoft.com/office/powerpoint/2010/main" val="2151303589"/>
+      </p:ext>
+    </p:extLst>
+  </p:cSld>
+  <p:clrMapOvr>
+    <a:masterClrMapping/>
+  </p:clrMapOvr>
+</p:sld>
+</file>
+
+<file path=ppt/slides/slide6.xml><?xml version="1.0" encoding="utf-8"?>
+<p:sld xmlns:a="http://schemas.openxmlformats.org/drawingml/2006/main" xmlns:r="http://schemas.openxmlformats.org/officeDocument/2006/relationships" xmlns:p="http://schemas.openxmlformats.org/presentationml/2006/main">
+  <p:cSld>
+    <p:spTree>
+      <p:nvGrpSpPr>
+        <p:cNvPr id="1" name=""/>
+        <p:cNvGrpSpPr/>
+        <p:nvPr/>
+      </p:nvGrpSpPr>
+      <p:grpSpPr>
+        <a:xfrm>
+          <a:off x="0" y="0"/>
+          <a:ext cx="0" cy="0"/>
+          <a:chOff x="0" y="0"/>
+          <a:chExt cx="0" cy="0"/>
+        </a:xfrm>
+      </p:grpSpPr>
+      <p:sp>
+        <p:nvSpPr>
+          <p:cNvPr id="2" name="Title 1">
+            <a:extLst>
+              <a:ext uri="{FF2B5EF4-FFF2-40B4-BE49-F238E27FC236}">
                 <a16:creationId xmlns:a16="http://schemas.microsoft.com/office/drawing/2014/main" id="{A5D333C1-8FD9-4CBA-93F6-CBA5666966B9}"/>
               </a:ext>
             </a:extLst>
@@ -14533,7 +15877,12 @@
             <p:ph idx="1"/>
           </p:nvPr>
         </p:nvSpPr>
-        <p:spPr/>
+        <p:spPr>
+          <a:xfrm>
+            <a:off x="2882155" y="2501900"/>
+            <a:ext cx="8761412" cy="3416300"/>
+          </a:xfrm>
+        </p:spPr>
         <p:txBody>
           <a:bodyPr/>
           <a:lstStyle/>
@@ -14542,6 +15891,154 @@
               <a:rPr lang="en-IE" dirty="0"/>
               <a:t>In depth of one specific user (most likely beginner or average)</a:t>
             </a:r>
+          </a:p>
+        </p:txBody>
+      </p:sp>
+      <p:pic>
+        <p:nvPicPr>
+          <p:cNvPr id="1026" name="Picture 2" descr="Free Photo | Expressive redhead bearded man with a hat">
+            <a:extLst>
+              <a:ext uri="{FF2B5EF4-FFF2-40B4-BE49-F238E27FC236}">
+                <a16:creationId xmlns:a16="http://schemas.microsoft.com/office/drawing/2014/main" id="{93EB7E59-6F90-447E-B0C5-E0C781A1DC34}"/>
+              </a:ext>
+            </a:extLst>
+          </p:cNvPr>
+          <p:cNvPicPr>
+            <a:picLocks noChangeAspect="1" noChangeArrowheads="1"/>
+          </p:cNvPicPr>
+          <p:nvPr/>
+        </p:nvPicPr>
+        <p:blipFill rotWithShape="1">
+          <a:blip r:embed="rId2">
+            <a:extLst>
+              <a:ext uri="{28A0092B-C50C-407E-A947-70E740481C1C}">
+                <a14:useLocalDpi xmlns:a14="http://schemas.microsoft.com/office/drawing/2010/main" val="0"/>
+              </a:ext>
+            </a:extLst>
+          </a:blip>
+          <a:srcRect l="29291" t="10396" r="27421"/>
+          <a:stretch/>
+        </p:blipFill>
+        <p:spPr bwMode="auto">
+          <a:xfrm>
+            <a:off x="591126" y="2281380"/>
+            <a:ext cx="1542473" cy="2126818"/>
+          </a:xfrm>
+          <a:prstGeom prst="rect">
+            <a:avLst/>
+          </a:prstGeom>
+          <a:ln>
+            <a:noFill/>
+          </a:ln>
+          <a:effectLst>
+            <a:outerShdw blurRad="190500" algn="tl" rotWithShape="0">
+              <a:srgbClr val="000000">
+                <a:alpha val="70000"/>
+              </a:srgbClr>
+            </a:outerShdw>
+          </a:effectLst>
+          <a:extLst>
+            <a:ext uri="{909E8E84-426E-40DD-AFC4-6F175D3DCCD1}">
+              <a14:hiddenFill xmlns:a14="http://schemas.microsoft.com/office/drawing/2010/main">
+                <a:solidFill>
+                  <a:srgbClr val="FFFFFF"/>
+                </a:solidFill>
+              </a14:hiddenFill>
+            </a:ext>
+          </a:extLst>
+        </p:spPr>
+      </p:pic>
+      <p:sp>
+        <p:nvSpPr>
+          <p:cNvPr id="4" name="TextBox 3">
+            <a:extLst>
+              <a:ext uri="{FF2B5EF4-FFF2-40B4-BE49-F238E27FC236}">
+                <a16:creationId xmlns:a16="http://schemas.microsoft.com/office/drawing/2014/main" id="{C6984A10-F3AD-4B5D-A329-3FFAC64B5B48}"/>
+              </a:ext>
+            </a:extLst>
+          </p:cNvPr>
+          <p:cNvSpPr txBox="1"/>
+          <p:nvPr/>
+        </p:nvSpPr>
+        <p:spPr>
+          <a:xfrm>
+            <a:off x="138545" y="4701309"/>
+            <a:ext cx="2817091" cy="2031325"/>
+          </a:xfrm>
+          <a:prstGeom prst="rect">
+            <a:avLst/>
+          </a:prstGeom>
+          <a:noFill/>
+        </p:spPr>
+        <p:txBody>
+          <a:bodyPr wrap="square" rtlCol="0">
+            <a:spAutoFit/>
+          </a:bodyPr>
+          <a:lstStyle/>
+          <a:p>
+            <a:r>
+              <a:rPr lang="en-IE" b="1" dirty="0"/>
+              <a:t>Name: </a:t>
+            </a:r>
+            <a:r>
+              <a:rPr lang="en-IE" dirty="0"/>
+              <a:t>John Savage</a:t>
+            </a:r>
+            <a:endParaRPr lang="en-IE" b="1" dirty="0"/>
+          </a:p>
+          <a:p>
+            <a:r>
+              <a:rPr lang="en-IE" b="1" dirty="0"/>
+              <a:t>Age: </a:t>
+            </a:r>
+            <a:r>
+              <a:rPr lang="en-IE" dirty="0"/>
+              <a:t>28</a:t>
+            </a:r>
+          </a:p>
+          <a:p>
+            <a:r>
+              <a:rPr lang="en-IE" b="1" dirty="0"/>
+              <a:t>Occupation: </a:t>
+            </a:r>
+            <a:r>
+              <a:rPr lang="en-IE" dirty="0"/>
+              <a:t>Electrician</a:t>
+            </a:r>
+            <a:endParaRPr lang="en-IE" b="1" dirty="0"/>
+          </a:p>
+          <a:p>
+            <a:r>
+              <a:rPr lang="en-IE" b="1" dirty="0"/>
+              <a:t>Skill Level(1-10): </a:t>
+            </a:r>
+            <a:r>
+              <a:rPr lang="en-IE" dirty="0"/>
+              <a:t>4</a:t>
+            </a:r>
+          </a:p>
+          <a:p>
+            <a:r>
+              <a:rPr lang="en-IE" b="1" dirty="0" err="1"/>
+              <a:t>Maraital</a:t>
+            </a:r>
+            <a:r>
+              <a:rPr lang="en-IE" b="1" dirty="0"/>
+              <a:t> Status: </a:t>
+            </a:r>
+            <a:r>
+              <a:rPr lang="en-IE" dirty="0"/>
+              <a:t>Married</a:t>
+            </a:r>
+          </a:p>
+          <a:p>
+            <a:r>
+              <a:rPr lang="en-IE" b="1" dirty="0"/>
+              <a:t>etc</a:t>
+            </a:r>
+          </a:p>
+          <a:p>
+            <a:endParaRPr lang="en-IE" dirty="0"/>
           </a:p>
         </p:txBody>
       </p:sp>
@@ -14558,7 +16055,7 @@
 </p:sld>
 </file>
 
-<file path=ppt/slides/slide6.xml><?xml version="1.0" encoding="utf-8"?>
+<file path=ppt/slides/slide7.xml><?xml version="1.0" encoding="utf-8"?>
 <p:sld xmlns:a="http://schemas.openxmlformats.org/drawingml/2006/main" xmlns:r="http://schemas.openxmlformats.org/officeDocument/2006/relationships" xmlns:p="http://schemas.openxmlformats.org/presentationml/2006/main">
   <p:cSld>
     <p:bg>
@@ -15490,7 +16987,7 @@
 </p:sld>
 </file>
 
-<file path=ppt/slides/slide7.xml><?xml version="1.0" encoding="utf-8"?>
+<file path=ppt/slides/slide8.xml><?xml version="1.0" encoding="utf-8"?>
 <p:sld xmlns:a="http://schemas.openxmlformats.org/drawingml/2006/main" xmlns:r="http://schemas.openxmlformats.org/officeDocument/2006/relationships" xmlns:p="http://schemas.openxmlformats.org/presentationml/2006/main">
   <p:cSld>
     <p:bg>

--- a/SetStats_lastRelease.pptx
+++ b/SetStats_lastRelease.pptx
@@ -6,13 +6,14 @@
   </p:sldMasterIdLst>
   <p:sldIdLst>
     <p:sldId id="256" r:id="rId2"/>
-    <p:sldId id="257" r:id="rId3"/>
-    <p:sldId id="258" r:id="rId4"/>
-    <p:sldId id="259" r:id="rId5"/>
+    <p:sldId id="264" r:id="rId3"/>
+    <p:sldId id="259" r:id="rId4"/>
+    <p:sldId id="257" r:id="rId5"/>
     <p:sldId id="263" r:id="rId6"/>
-    <p:sldId id="260" r:id="rId7"/>
-    <p:sldId id="261" r:id="rId8"/>
-    <p:sldId id="262" r:id="rId9"/>
+    <p:sldId id="258" r:id="rId7"/>
+    <p:sldId id="260" r:id="rId8"/>
+    <p:sldId id="261" r:id="rId9"/>
+    <p:sldId id="262" r:id="rId10"/>
   </p:sldIdLst>
   <p:sldSz cx="12192000" cy="6858000"/>
   <p:notesSz cx="6858000" cy="9144000"/>
@@ -766,7 +767,7 @@
             <a:fld id="{1E700B27-DE4C-4B9E-BB11-B9027034A00F}" type="datetimeFigureOut">
               <a:rPr lang="en-US" dirty="0"/>
               <a:pPr/>
-              <a:t>12/13/2021</a:t>
+              <a:t>12/14/2021</a:t>
             </a:fld>
             <a:endParaRPr lang="en-US" dirty="0"/>
           </a:p>
@@ -1882,7 +1883,7 @@
           <a:p>
             <a:fld id="{C40F4739-9812-4A9F-890D-2AD6BA5F6EE8}" type="datetimeFigureOut">
               <a:rPr lang="en-US" dirty="0"/>
-              <a:t>12/13/2021</a:t>
+              <a:t>12/14/2021</a:t>
             </a:fld>
             <a:endParaRPr lang="en-US" dirty="0"/>
           </a:p>
@@ -2889,7 +2890,7 @@
           <a:p>
             <a:fld id="{18845AC5-A3F8-44AA-BA8F-596CDCC976D3}" type="datetimeFigureOut">
               <a:rPr lang="en-US" dirty="0"/>
-              <a:t>12/13/2021</a:t>
+              <a:t>12/14/2021</a:t>
             </a:fld>
             <a:endParaRPr lang="en-US" dirty="0"/>
           </a:p>
@@ -4055,7 +4056,7 @@
           <a:p>
             <a:fld id="{C873B183-A821-4095-A363-9EC968635539}" type="datetimeFigureOut">
               <a:rPr lang="en-US" dirty="0"/>
-              <a:t>12/13/2021</a:t>
+              <a:t>12/14/2021</a:t>
             </a:fld>
             <a:endParaRPr lang="en-US" dirty="0"/>
           </a:p>
@@ -5112,7 +5113,7 @@
           <a:p>
             <a:fld id="{174D01B4-0AA5-45E6-B2E6-5FA4078AEBCF}" type="datetimeFigureOut">
               <a:rPr lang="en-US" dirty="0"/>
-              <a:t>12/13/2021</a:t>
+              <a:t>12/14/2021</a:t>
             </a:fld>
             <a:endParaRPr lang="en-US" dirty="0"/>
           </a:p>
@@ -5754,7 +5755,7 @@
           <a:p>
             <a:fld id="{4147335C-0450-40D7-8612-B3203BED4F28}" type="datetimeFigureOut">
               <a:rPr lang="en-US" dirty="0"/>
-              <a:t>12/13/2021</a:t>
+              <a:t>12/14/2021</a:t>
             </a:fld>
             <a:endParaRPr lang="en-US" dirty="0"/>
           </a:p>
@@ -6597,7 +6598,7 @@
           <a:p>
             <a:fld id="{D246A105-2A1C-4284-B4EA-07CF89B1A393}" type="datetimeFigureOut">
               <a:rPr lang="en-US" dirty="0"/>
-              <a:t>12/13/2021</a:t>
+              <a:t>12/14/2021</a:t>
             </a:fld>
             <a:endParaRPr lang="en-US" dirty="0"/>
           </a:p>
@@ -6768,7 +6769,7 @@
           <a:p>
             <a:fld id="{80DBE609-F3F2-45E6-BD6A-E03A8C86C1AE}" type="datetimeFigureOut">
               <a:rPr lang="en-US" dirty="0"/>
-              <a:t>12/13/2021</a:t>
+              <a:t>12/14/2021</a:t>
             </a:fld>
             <a:endParaRPr lang="en-US" dirty="0"/>
           </a:p>
@@ -7762,7 +7763,7 @@
           <a:p>
             <a:fld id="{7A24AD68-089C-4467-A8F3-EA2BBCA6B44E}" type="datetimeFigureOut">
               <a:rPr lang="en-US" dirty="0"/>
-              <a:t>12/13/2021</a:t>
+              <a:t>12/14/2021</a:t>
             </a:fld>
             <a:endParaRPr lang="en-US" dirty="0"/>
           </a:p>
@@ -7964,7 +7965,7 @@
           <a:p>
             <a:fld id="{75C51FCE-E4BB-4680-8E50-3C0E348D2609}" type="datetimeFigureOut">
               <a:rPr lang="en-US" dirty="0"/>
-              <a:t>12/13/2021</a:t>
+              <a:t>12/14/2021</a:t>
             </a:fld>
             <a:endParaRPr lang="en-US" dirty="0"/>
           </a:p>
@@ -9022,7 +9023,7 @@
           <a:p>
             <a:fld id="{8AAA073D-A903-47F8-8D16-77642FB0DF1F}" type="datetimeFigureOut">
               <a:rPr lang="en-US" dirty="0"/>
-              <a:t>12/13/2021</a:t>
+              <a:t>12/14/2021</a:t>
             </a:fld>
             <a:endParaRPr lang="en-US" dirty="0"/>
           </a:p>
@@ -9290,7 +9291,7 @@
           <a:p>
             <a:fld id="{AB91FA40-626B-4CA1-85D0-7A9016E395BA}" type="datetimeFigureOut">
               <a:rPr lang="en-US" dirty="0"/>
-              <a:t>12/13/2021</a:t>
+              <a:t>12/14/2021</a:t>
             </a:fld>
             <a:endParaRPr lang="en-US" dirty="0"/>
           </a:p>
@@ -9668,7 +9669,7 @@
           <a:p>
             <a:fld id="{C3F425EA-B9DC-48A7-991E-9A82573B1B21}" type="datetimeFigureOut">
               <a:rPr lang="en-US" dirty="0"/>
-              <a:t>12/13/2021</a:t>
+              <a:t>12/14/2021</a:t>
             </a:fld>
             <a:endParaRPr lang="en-US" dirty="0"/>
           </a:p>
@@ -9782,7 +9783,7 @@
           <a:p>
             <a:fld id="{66CB97F8-6CEB-469B-AFCC-889F2A2B1D5A}" type="datetimeFigureOut">
               <a:rPr lang="en-US" dirty="0"/>
-              <a:t>12/13/2021</a:t>
+              <a:t>12/14/2021</a:t>
             </a:fld>
             <a:endParaRPr lang="en-US" dirty="0"/>
           </a:p>
@@ -9873,7 +9874,7 @@
           <a:p>
             <a:fld id="{8FA9179F-009E-4FA5-B091-7EBB82A185BD}" type="datetimeFigureOut">
               <a:rPr lang="en-US" dirty="0"/>
-              <a:t>12/13/2021</a:t>
+              <a:t>12/14/2021</a:t>
             </a:fld>
             <a:endParaRPr lang="en-US" dirty="0"/>
           </a:p>
@@ -10978,7 +10979,7 @@
           <a:p>
             <a:fld id="{8E665CEB-0076-4E37-B880-BCEA9784DE0A}" type="datetimeFigureOut">
               <a:rPr lang="en-US" dirty="0"/>
-              <a:t>12/13/2021</a:t>
+              <a:t>12/14/2021</a:t>
             </a:fld>
             <a:endParaRPr lang="en-US" dirty="0"/>
           </a:p>
@@ -12107,7 +12108,7 @@
           <a:p>
             <a:fld id="{A6149E5E-3896-4118-99A7-7B85668F1C5E}" type="datetimeFigureOut">
               <a:rPr lang="en-US" dirty="0"/>
-              <a:t>12/13/2021</a:t>
+              <a:t>12/14/2021</a:t>
             </a:fld>
             <a:endParaRPr lang="en-US" dirty="0"/>
           </a:p>
@@ -13131,7 +13132,7 @@
           <a:p>
             <a:fld id="{7E0D914D-B099-4142-A885-11F276715148}" type="datetimeFigureOut">
               <a:rPr lang="en-US" dirty="0"/>
-              <a:t>12/13/2021</a:t>
+              <a:t>12/14/2021</a:t>
             </a:fld>
             <a:endParaRPr lang="en-US" dirty="0"/>
           </a:p>
@@ -14168,10 +14169,10 @@
       </p:grpSpPr>
       <p:sp>
         <p:nvSpPr>
-          <p:cNvPr id="6" name="Title 5">
+          <p:cNvPr id="2" name="Title 1">
             <a:extLst>
               <a:ext uri="{FF2B5EF4-FFF2-40B4-BE49-F238E27FC236}">
-                <a16:creationId xmlns:a16="http://schemas.microsoft.com/office/drawing/2014/main" id="{6DFCCD66-03D0-4458-999A-772AB220AD75}"/>
+                <a16:creationId xmlns:a16="http://schemas.microsoft.com/office/drawing/2014/main" id="{F5C063DE-FAD4-46AD-8D78-F8A4927C035A}"/>
               </a:ext>
             </a:extLst>
           </p:cNvPr>
@@ -14189,17 +14190,17 @@
           <a:p>
             <a:r>
               <a:rPr lang="en-IE" dirty="0"/>
-              <a:t>HARDWARE</a:t>
+              <a:t>Introduction</a:t>
             </a:r>
           </a:p>
         </p:txBody>
       </p:sp>
       <p:sp>
         <p:nvSpPr>
-          <p:cNvPr id="7" name="Content Placeholder 6">
+          <p:cNvPr id="3" name="Content Placeholder 2">
             <a:extLst>
               <a:ext uri="{FF2B5EF4-FFF2-40B4-BE49-F238E27FC236}">
-                <a16:creationId xmlns:a16="http://schemas.microsoft.com/office/drawing/2014/main" id="{BE0F1DA3-42A4-44AE-8327-5A14E404D338}"/>
+                <a16:creationId xmlns:a16="http://schemas.microsoft.com/office/drawing/2014/main" id="{B987057E-068C-49B9-8203-42A5113D2086}"/>
               </a:ext>
             </a:extLst>
           </p:cNvPr>
@@ -14216,54 +14217,67 @@
           <a:lstStyle/>
           <a:p>
             <a:r>
-              <a:rPr lang="en-IE" dirty="0"/>
-              <a:t>Sensors collect height and sway(</a:t>
+              <a:rPr lang="en-GB" b="0" i="0" dirty="0">
+                <a:solidFill>
+                  <a:srgbClr val="000000"/>
+                </a:solidFill>
+                <a:effectLst/>
+                <a:latin typeface="Arial" panose="020B0604020202020204" pitchFamily="34" charset="0"/>
+              </a:rPr>
+              <a:t>SetStats is an application that wants to help </a:t>
             </a:r>
             <a:r>
-              <a:rPr lang="en-IE" dirty="0" err="1"/>
-              <a:t>indepth</a:t>
+              <a:rPr lang="en-GB" b="1" i="0" dirty="0">
+                <a:solidFill>
+                  <a:srgbClr val="000000"/>
+                </a:solidFill>
+                <a:effectLst/>
+                <a:latin typeface="Arial" panose="020B0604020202020204" pitchFamily="34" charset="0"/>
+              </a:rPr>
+              <a:t>YOU </a:t>
             </a:r>
             <a:r>
-              <a:rPr lang="en-IE" dirty="0"/>
-              <a:t> on </a:t>
+              <a:rPr lang="en-GB" b="0" i="0" dirty="0">
+                <a:solidFill>
+                  <a:srgbClr val="000000"/>
+                </a:solidFill>
+                <a:effectLst/>
+                <a:latin typeface="Arial" panose="020B0604020202020204" pitchFamily="34" charset="0"/>
+              </a:rPr>
+              <a:t>improve </a:t>
             </a:r>
             <a:r>
-              <a:rPr lang="en-IE" dirty="0" err="1"/>
-              <a:t>mahara</a:t>
+              <a:rPr lang="en-GB" b="1" i="0" dirty="0">
+                <a:solidFill>
+                  <a:srgbClr val="000000"/>
+                </a:solidFill>
+                <a:effectLst/>
+                <a:latin typeface="Arial" panose="020B0604020202020204" pitchFamily="34" charset="0"/>
+              </a:rPr>
+              <a:t>YOUR </a:t>
             </a:r>
             <a:r>
-              <a:rPr lang="en-IE" dirty="0"/>
-              <a:t>)</a:t>
+              <a:rPr lang="en-GB" b="0" i="0" dirty="0">
+                <a:solidFill>
+                  <a:srgbClr val="000000"/>
+                </a:solidFill>
+                <a:effectLst/>
+                <a:latin typeface="Arial" panose="020B0604020202020204" pitchFamily="34" charset="0"/>
+              </a:rPr>
+              <a:t>form in the gym. Whether you are a new user or a 20-year veteran, SetStats will try it's best to help you.</a:t>
             </a:r>
           </a:p>
           <a:p>
             <a:r>
-              <a:rPr lang="en-IE" dirty="0"/>
-              <a:t>Use cellular in future but for demo using hotspot</a:t>
+              <a:rPr lang="en-GB" b="0" i="0" dirty="0">
+                <a:solidFill>
+                  <a:srgbClr val="000000"/>
+                </a:solidFill>
+                <a:effectLst/>
+                <a:latin typeface="Arial" panose="020B0604020202020204" pitchFamily="34" charset="0"/>
+              </a:rPr>
+              <a:t> Not only do we aim for you to have a better time in the gym, SetStats will also help the trainers, with our history system YOUR trainer will be able to keep an eye on you while you train alone, measuring your progress and seeing results. </a:t>
             </a:r>
-          </a:p>
-          <a:p>
-            <a:r>
-              <a:rPr lang="en-IE" dirty="0"/>
-              <a:t>Collect data every .15 sec</a:t>
-            </a:r>
-          </a:p>
-          <a:p>
-            <a:r>
-              <a:rPr lang="en-IE" dirty="0"/>
-              <a:t>Uses height to calculate reps/sets</a:t>
-            </a:r>
-          </a:p>
-          <a:p>
-            <a:r>
-              <a:rPr lang="en-IE" dirty="0"/>
-              <a:t>Audio feedback for lift status</a:t>
-            </a:r>
-          </a:p>
-          <a:p>
-            <a:endParaRPr lang="en-IE" dirty="0"/>
-          </a:p>
-          <a:p>
             <a:endParaRPr lang="en-IE" dirty="0"/>
           </a:p>
         </p:txBody>
@@ -14271,7 +14285,7 @@
     </p:spTree>
     <p:extLst>
       <p:ext uri="{BB962C8B-B14F-4D97-AF65-F5344CB8AC3E}">
-        <p14:creationId xmlns:p14="http://schemas.microsoft.com/office/powerpoint/2010/main" val="3600270364"/>
+        <p14:creationId xmlns:p14="http://schemas.microsoft.com/office/powerpoint/2010/main" val="3492361358"/>
       </p:ext>
     </p:extLst>
   </p:cSld>
@@ -14282,163 +14296,6 @@
 </file>
 
 <file path=ppt/slides/slide3.xml><?xml version="1.0" encoding="utf-8"?>
-<p:sld xmlns:a="http://schemas.openxmlformats.org/drawingml/2006/main" xmlns:r="http://schemas.openxmlformats.org/officeDocument/2006/relationships" xmlns:p="http://schemas.openxmlformats.org/presentationml/2006/main">
-  <p:cSld>
-    <p:spTree>
-      <p:nvGrpSpPr>
-        <p:cNvPr id="1" name=""/>
-        <p:cNvGrpSpPr/>
-        <p:nvPr/>
-      </p:nvGrpSpPr>
-      <p:grpSpPr>
-        <a:xfrm>
-          <a:off x="0" y="0"/>
-          <a:ext cx="0" cy="0"/>
-          <a:chOff x="0" y="0"/>
-          <a:chExt cx="0" cy="0"/>
-        </a:xfrm>
-      </p:grpSpPr>
-      <p:sp>
-        <p:nvSpPr>
-          <p:cNvPr id="2" name="Title 1">
-            <a:extLst>
-              <a:ext uri="{FF2B5EF4-FFF2-40B4-BE49-F238E27FC236}">
-                <a16:creationId xmlns:a16="http://schemas.microsoft.com/office/drawing/2014/main" id="{B397F615-BBFA-458D-A31B-AA8F066B11AA}"/>
-              </a:ext>
-            </a:extLst>
-          </p:cNvPr>
-          <p:cNvSpPr>
-            <a:spLocks noGrp="1"/>
-          </p:cNvSpPr>
-          <p:nvPr>
-            <p:ph type="title"/>
-          </p:nvPr>
-        </p:nvSpPr>
-        <p:spPr/>
-        <p:txBody>
-          <a:bodyPr/>
-          <a:lstStyle/>
-          <a:p>
-            <a:r>
-              <a:rPr lang="en-IE" dirty="0"/>
-              <a:t>SECURITY</a:t>
-            </a:r>
-          </a:p>
-        </p:txBody>
-      </p:sp>
-      <p:sp>
-        <p:nvSpPr>
-          <p:cNvPr id="3" name="Content Placeholder 2">
-            <a:extLst>
-              <a:ext uri="{FF2B5EF4-FFF2-40B4-BE49-F238E27FC236}">
-                <a16:creationId xmlns:a16="http://schemas.microsoft.com/office/drawing/2014/main" id="{DC20400C-3972-45C4-A77D-A3AE1BCC6752}"/>
-              </a:ext>
-            </a:extLst>
-          </p:cNvPr>
-          <p:cNvSpPr>
-            <a:spLocks noGrp="1"/>
-          </p:cNvSpPr>
-          <p:nvPr>
-            <p:ph idx="1"/>
-          </p:nvPr>
-        </p:nvSpPr>
-        <p:spPr/>
-        <p:txBody>
-          <a:bodyPr/>
-          <a:lstStyle/>
-          <a:p>
-            <a:r>
-              <a:rPr lang="en-IE" dirty="0" err="1"/>
-              <a:t>Os.getENV</a:t>
-            </a:r>
-            <a:r>
-              <a:rPr lang="en-IE" dirty="0"/>
-              <a:t> to grab variables for stuff.</a:t>
-            </a:r>
-          </a:p>
-          <a:p>
-            <a:r>
-              <a:rPr lang="en-IE" dirty="0"/>
-              <a:t>https using </a:t>
-            </a:r>
-            <a:r>
-              <a:rPr lang="en-IE" dirty="0" err="1"/>
-              <a:t>cloudflare</a:t>
-            </a:r>
-            <a:r>
-              <a:rPr lang="en-IE" dirty="0"/>
-              <a:t>.</a:t>
-            </a:r>
-          </a:p>
-          <a:p>
-            <a:r>
-              <a:rPr lang="en-IE" dirty="0"/>
-              <a:t>We use Hashing and salting to protect passwords of users accounts</a:t>
-            </a:r>
-          </a:p>
-          <a:p>
-            <a:r>
-              <a:rPr lang="en-IE" dirty="0"/>
-              <a:t>Auth key for putty to instance so only people with this private key can </a:t>
-            </a:r>
-            <a:r>
-              <a:rPr lang="en-IE" dirty="0" err="1"/>
-              <a:t>ssh</a:t>
-            </a:r>
-            <a:r>
-              <a:rPr lang="en-IE" dirty="0"/>
-              <a:t> into the AWS instance.</a:t>
-            </a:r>
-          </a:p>
-          <a:p>
-            <a:r>
-              <a:rPr lang="en-IE" dirty="0"/>
-              <a:t>Mysql root password so only people with this password, can log into and use Mysql on the instance. </a:t>
-            </a:r>
-          </a:p>
-          <a:p>
-            <a:r>
-              <a:rPr lang="en-IE" dirty="0"/>
-              <a:t>ETC </a:t>
-            </a:r>
-            <a:r>
-              <a:rPr lang="en-IE" dirty="0" err="1"/>
-              <a:t>ETC</a:t>
-            </a:r>
-            <a:r>
-              <a:rPr lang="en-IE" dirty="0"/>
-              <a:t> </a:t>
-            </a:r>
-            <a:r>
-              <a:rPr lang="en-IE" dirty="0" err="1"/>
-              <a:t>ETC</a:t>
-            </a:r>
-            <a:r>
-              <a:rPr lang="en-IE" dirty="0"/>
-              <a:t> </a:t>
-            </a:r>
-            <a:r>
-              <a:rPr lang="en-IE" dirty="0" err="1"/>
-              <a:t>ETC</a:t>
-            </a:r>
-            <a:endParaRPr lang="en-IE" dirty="0"/>
-          </a:p>
-        </p:txBody>
-      </p:sp>
-    </p:spTree>
-    <p:extLst>
-      <p:ext uri="{BB962C8B-B14F-4D97-AF65-F5344CB8AC3E}">
-        <p14:creationId xmlns:p14="http://schemas.microsoft.com/office/powerpoint/2010/main" val="1436845761"/>
-      </p:ext>
-    </p:extLst>
-  </p:cSld>
-  <p:clrMapOvr>
-    <a:masterClrMapping/>
-  </p:clrMapOvr>
-</p:sld>
-</file>
-
-<file path=ppt/slides/slide4.xml><?xml version="1.0" encoding="utf-8"?>
 <p:sld xmlns:a="http://schemas.openxmlformats.org/drawingml/2006/main" xmlns:r="http://schemas.openxmlformats.org/officeDocument/2006/relationships" xmlns:p="http://schemas.openxmlformats.org/presentationml/2006/main">
   <p:cSld>
     <p:bg>
@@ -15729,6 +15586,138 @@
 </p:sld>
 </file>
 
+<file path=ppt/slides/slide4.xml><?xml version="1.0" encoding="utf-8"?>
+<p:sld xmlns:a="http://schemas.openxmlformats.org/drawingml/2006/main" xmlns:r="http://schemas.openxmlformats.org/officeDocument/2006/relationships" xmlns:p="http://schemas.openxmlformats.org/presentationml/2006/main">
+  <p:cSld>
+    <p:spTree>
+      <p:nvGrpSpPr>
+        <p:cNvPr id="1" name=""/>
+        <p:cNvGrpSpPr/>
+        <p:nvPr/>
+      </p:nvGrpSpPr>
+      <p:grpSpPr>
+        <a:xfrm>
+          <a:off x="0" y="0"/>
+          <a:ext cx="0" cy="0"/>
+          <a:chOff x="0" y="0"/>
+          <a:chExt cx="0" cy="0"/>
+        </a:xfrm>
+      </p:grpSpPr>
+      <p:sp>
+        <p:nvSpPr>
+          <p:cNvPr id="6" name="Title 5">
+            <a:extLst>
+              <a:ext uri="{FF2B5EF4-FFF2-40B4-BE49-F238E27FC236}">
+                <a16:creationId xmlns:a16="http://schemas.microsoft.com/office/drawing/2014/main" id="{6DFCCD66-03D0-4458-999A-772AB220AD75}"/>
+              </a:ext>
+            </a:extLst>
+          </p:cNvPr>
+          <p:cNvSpPr>
+            <a:spLocks noGrp="1"/>
+          </p:cNvSpPr>
+          <p:nvPr>
+            <p:ph type="title"/>
+          </p:nvPr>
+        </p:nvSpPr>
+        <p:spPr/>
+        <p:txBody>
+          <a:bodyPr/>
+          <a:lstStyle/>
+          <a:p>
+            <a:r>
+              <a:rPr lang="en-IE" dirty="0"/>
+              <a:t>HARDWARE</a:t>
+            </a:r>
+          </a:p>
+        </p:txBody>
+      </p:sp>
+      <p:sp>
+        <p:nvSpPr>
+          <p:cNvPr id="7" name="Content Placeholder 6">
+            <a:extLst>
+              <a:ext uri="{FF2B5EF4-FFF2-40B4-BE49-F238E27FC236}">
+                <a16:creationId xmlns:a16="http://schemas.microsoft.com/office/drawing/2014/main" id="{BE0F1DA3-42A4-44AE-8327-5A14E404D338}"/>
+              </a:ext>
+            </a:extLst>
+          </p:cNvPr>
+          <p:cNvSpPr>
+            <a:spLocks noGrp="1"/>
+          </p:cNvSpPr>
+          <p:nvPr>
+            <p:ph idx="1"/>
+          </p:nvPr>
+        </p:nvSpPr>
+        <p:spPr/>
+        <p:txBody>
+          <a:bodyPr/>
+          <a:lstStyle/>
+          <a:p>
+            <a:r>
+              <a:rPr lang="en-IE" dirty="0"/>
+              <a:t>Sensors collect height and sway(</a:t>
+            </a:r>
+            <a:r>
+              <a:rPr lang="en-IE" dirty="0" err="1"/>
+              <a:t>indepth</a:t>
+            </a:r>
+            <a:r>
+              <a:rPr lang="en-IE" dirty="0"/>
+              <a:t> on </a:t>
+            </a:r>
+            <a:r>
+              <a:rPr lang="en-IE" dirty="0" err="1"/>
+              <a:t>mahara</a:t>
+            </a:r>
+            <a:r>
+              <a:rPr lang="en-IE" dirty="0"/>
+              <a:t>)</a:t>
+            </a:r>
+          </a:p>
+          <a:p>
+            <a:r>
+              <a:rPr lang="en-IE" dirty="0"/>
+              <a:t>Use cellular in future but for demo using hotspot</a:t>
+            </a:r>
+          </a:p>
+          <a:p>
+            <a:r>
+              <a:rPr lang="en-IE" dirty="0"/>
+              <a:t>Collect data every .15 sec</a:t>
+            </a:r>
+          </a:p>
+          <a:p>
+            <a:r>
+              <a:rPr lang="en-IE" dirty="0"/>
+              <a:t>Uses height to calculate reps/sets</a:t>
+            </a:r>
+          </a:p>
+          <a:p>
+            <a:r>
+              <a:rPr lang="en-IE" dirty="0"/>
+              <a:t>Audio feedback for lift status</a:t>
+            </a:r>
+          </a:p>
+          <a:p>
+            <a:endParaRPr lang="en-IE" dirty="0"/>
+          </a:p>
+          <a:p>
+            <a:endParaRPr lang="en-IE" dirty="0"/>
+          </a:p>
+        </p:txBody>
+      </p:sp>
+    </p:spTree>
+    <p:extLst>
+      <p:ext uri="{BB962C8B-B14F-4D97-AF65-F5344CB8AC3E}">
+        <p14:creationId xmlns:p14="http://schemas.microsoft.com/office/powerpoint/2010/main" val="3600270364"/>
+      </p:ext>
+    </p:extLst>
+  </p:cSld>
+  <p:clrMapOvr>
+    <a:masterClrMapping/>
+  </p:clrMapOvr>
+</p:sld>
+</file>
+
 <file path=ppt/slides/slide5.xml><?xml version="1.0" encoding="utf-8"?>
 <p:sld xmlns:a="http://schemas.openxmlformats.org/drawingml/2006/main" xmlns:r="http://schemas.openxmlformats.org/officeDocument/2006/relationships" xmlns:p="http://schemas.openxmlformats.org/presentationml/2006/main">
   <p:cSld>
@@ -15838,6 +15827,163 @@
           <p:cNvPr id="2" name="Title 1">
             <a:extLst>
               <a:ext uri="{FF2B5EF4-FFF2-40B4-BE49-F238E27FC236}">
+                <a16:creationId xmlns:a16="http://schemas.microsoft.com/office/drawing/2014/main" id="{B397F615-BBFA-458D-A31B-AA8F066B11AA}"/>
+              </a:ext>
+            </a:extLst>
+          </p:cNvPr>
+          <p:cNvSpPr>
+            <a:spLocks noGrp="1"/>
+          </p:cNvSpPr>
+          <p:nvPr>
+            <p:ph type="title"/>
+          </p:nvPr>
+        </p:nvSpPr>
+        <p:spPr/>
+        <p:txBody>
+          <a:bodyPr/>
+          <a:lstStyle/>
+          <a:p>
+            <a:r>
+              <a:rPr lang="en-IE" dirty="0"/>
+              <a:t>SECURITY</a:t>
+            </a:r>
+          </a:p>
+        </p:txBody>
+      </p:sp>
+      <p:sp>
+        <p:nvSpPr>
+          <p:cNvPr id="3" name="Content Placeholder 2">
+            <a:extLst>
+              <a:ext uri="{FF2B5EF4-FFF2-40B4-BE49-F238E27FC236}">
+                <a16:creationId xmlns:a16="http://schemas.microsoft.com/office/drawing/2014/main" id="{DC20400C-3972-45C4-A77D-A3AE1BCC6752}"/>
+              </a:ext>
+            </a:extLst>
+          </p:cNvPr>
+          <p:cNvSpPr>
+            <a:spLocks noGrp="1"/>
+          </p:cNvSpPr>
+          <p:nvPr>
+            <p:ph idx="1"/>
+          </p:nvPr>
+        </p:nvSpPr>
+        <p:spPr/>
+        <p:txBody>
+          <a:bodyPr/>
+          <a:lstStyle/>
+          <a:p>
+            <a:r>
+              <a:rPr lang="en-IE" dirty="0" err="1"/>
+              <a:t>Os.getENV</a:t>
+            </a:r>
+            <a:r>
+              <a:rPr lang="en-IE" dirty="0"/>
+              <a:t> to grab variables for stuff.</a:t>
+            </a:r>
+          </a:p>
+          <a:p>
+            <a:r>
+              <a:rPr lang="en-IE" dirty="0"/>
+              <a:t>https using </a:t>
+            </a:r>
+            <a:r>
+              <a:rPr lang="en-IE" dirty="0" err="1"/>
+              <a:t>cloudflare</a:t>
+            </a:r>
+            <a:r>
+              <a:rPr lang="en-IE" dirty="0"/>
+              <a:t>.</a:t>
+            </a:r>
+          </a:p>
+          <a:p>
+            <a:r>
+              <a:rPr lang="en-IE" dirty="0"/>
+              <a:t>We use Hashing and salting to protect passwords of users accounts</a:t>
+            </a:r>
+          </a:p>
+          <a:p>
+            <a:r>
+              <a:rPr lang="en-IE" dirty="0"/>
+              <a:t>Auth key for putty to instance so only people with this private key can </a:t>
+            </a:r>
+            <a:r>
+              <a:rPr lang="en-IE" dirty="0" err="1"/>
+              <a:t>ssh</a:t>
+            </a:r>
+            <a:r>
+              <a:rPr lang="en-IE" dirty="0"/>
+              <a:t> into the AWS instance.</a:t>
+            </a:r>
+          </a:p>
+          <a:p>
+            <a:r>
+              <a:rPr lang="en-IE" dirty="0"/>
+              <a:t>Mysql root password so only people with this password, can log into and use Mysql on the instance. </a:t>
+            </a:r>
+          </a:p>
+          <a:p>
+            <a:r>
+              <a:rPr lang="en-IE" dirty="0"/>
+              <a:t>ETC </a:t>
+            </a:r>
+            <a:r>
+              <a:rPr lang="en-IE" dirty="0" err="1"/>
+              <a:t>ETC</a:t>
+            </a:r>
+            <a:r>
+              <a:rPr lang="en-IE" dirty="0"/>
+              <a:t> </a:t>
+            </a:r>
+            <a:r>
+              <a:rPr lang="en-IE" dirty="0" err="1"/>
+              <a:t>ETC</a:t>
+            </a:r>
+            <a:r>
+              <a:rPr lang="en-IE" dirty="0"/>
+              <a:t> </a:t>
+            </a:r>
+            <a:r>
+              <a:rPr lang="en-IE" dirty="0" err="1"/>
+              <a:t>ETC</a:t>
+            </a:r>
+            <a:endParaRPr lang="en-IE" dirty="0"/>
+          </a:p>
+        </p:txBody>
+      </p:sp>
+    </p:spTree>
+    <p:extLst>
+      <p:ext uri="{BB962C8B-B14F-4D97-AF65-F5344CB8AC3E}">
+        <p14:creationId xmlns:p14="http://schemas.microsoft.com/office/powerpoint/2010/main" val="1436845761"/>
+      </p:ext>
+    </p:extLst>
+  </p:cSld>
+  <p:clrMapOvr>
+    <a:masterClrMapping/>
+  </p:clrMapOvr>
+</p:sld>
+</file>
+
+<file path=ppt/slides/slide7.xml><?xml version="1.0" encoding="utf-8"?>
+<p:sld xmlns:a="http://schemas.openxmlformats.org/drawingml/2006/main" xmlns:r="http://schemas.openxmlformats.org/officeDocument/2006/relationships" xmlns:p="http://schemas.openxmlformats.org/presentationml/2006/main">
+  <p:cSld>
+    <p:spTree>
+      <p:nvGrpSpPr>
+        <p:cNvPr id="1" name=""/>
+        <p:cNvGrpSpPr/>
+        <p:nvPr/>
+      </p:nvGrpSpPr>
+      <p:grpSpPr>
+        <a:xfrm>
+          <a:off x="0" y="0"/>
+          <a:ext cx="0" cy="0"/>
+          <a:chOff x="0" y="0"/>
+          <a:chExt cx="0" cy="0"/>
+        </a:xfrm>
+      </p:grpSpPr>
+      <p:sp>
+        <p:nvSpPr>
+          <p:cNvPr id="2" name="Title 1">
+            <a:extLst>
+              <a:ext uri="{FF2B5EF4-FFF2-40B4-BE49-F238E27FC236}">
                 <a16:creationId xmlns:a16="http://schemas.microsoft.com/office/drawing/2014/main" id="{A5D333C1-8FD9-4CBA-93F6-CBA5666966B9}"/>
               </a:ext>
             </a:extLst>
@@ -15856,7 +16002,7 @@
           <a:p>
             <a:r>
               <a:rPr lang="en-IE" dirty="0"/>
-              <a:t>USER EXAMPLE </a:t>
+              <a:t>EXAMPLE USER</a:t>
             </a:r>
           </a:p>
         </p:txBody>
@@ -16055,7 +16201,7 @@
 </p:sld>
 </file>
 
-<file path=ppt/slides/slide7.xml><?xml version="1.0" encoding="utf-8"?>
+<file path=ppt/slides/slide8.xml><?xml version="1.0" encoding="utf-8"?>
 <p:sld xmlns:a="http://schemas.openxmlformats.org/drawingml/2006/main" xmlns:r="http://schemas.openxmlformats.org/officeDocument/2006/relationships" xmlns:p="http://schemas.openxmlformats.org/presentationml/2006/main">
   <p:cSld>
     <p:bg>
@@ -16987,7 +17133,7 @@
 </p:sld>
 </file>
 
-<file path=ppt/slides/slide8.xml><?xml version="1.0" encoding="utf-8"?>
+<file path=ppt/slides/slide9.xml><?xml version="1.0" encoding="utf-8"?>
 <p:sld xmlns:a="http://schemas.openxmlformats.org/drawingml/2006/main" xmlns:r="http://schemas.openxmlformats.org/officeDocument/2006/relationships" xmlns:p="http://schemas.openxmlformats.org/presentationml/2006/main">
   <p:cSld>
     <p:bg>

--- a/SetStats_lastRelease.pptx
+++ b/SetStats_lastRelease.pptx
@@ -767,7 +767,7 @@
             <a:fld id="{1E700B27-DE4C-4B9E-BB11-B9027034A00F}" type="datetimeFigureOut">
               <a:rPr lang="en-US" dirty="0"/>
               <a:pPr/>
-              <a:t>12/14/2021</a:t>
+              <a:t>12/15/2021</a:t>
             </a:fld>
             <a:endParaRPr lang="en-US" dirty="0"/>
           </a:p>
@@ -1883,7 +1883,7 @@
           <a:p>
             <a:fld id="{C40F4739-9812-4A9F-890D-2AD6BA5F6EE8}" type="datetimeFigureOut">
               <a:rPr lang="en-US" dirty="0"/>
-              <a:t>12/14/2021</a:t>
+              <a:t>12/15/2021</a:t>
             </a:fld>
             <a:endParaRPr lang="en-US" dirty="0"/>
           </a:p>
@@ -2890,7 +2890,7 @@
           <a:p>
             <a:fld id="{18845AC5-A3F8-44AA-BA8F-596CDCC976D3}" type="datetimeFigureOut">
               <a:rPr lang="en-US" dirty="0"/>
-              <a:t>12/14/2021</a:t>
+              <a:t>12/15/2021</a:t>
             </a:fld>
             <a:endParaRPr lang="en-US" dirty="0"/>
           </a:p>
@@ -4056,7 +4056,7 @@
           <a:p>
             <a:fld id="{C873B183-A821-4095-A363-9EC968635539}" type="datetimeFigureOut">
               <a:rPr lang="en-US" dirty="0"/>
-              <a:t>12/14/2021</a:t>
+              <a:t>12/15/2021</a:t>
             </a:fld>
             <a:endParaRPr lang="en-US" dirty="0"/>
           </a:p>
@@ -5113,7 +5113,7 @@
           <a:p>
             <a:fld id="{174D01B4-0AA5-45E6-B2E6-5FA4078AEBCF}" type="datetimeFigureOut">
               <a:rPr lang="en-US" dirty="0"/>
-              <a:t>12/14/2021</a:t>
+              <a:t>12/15/2021</a:t>
             </a:fld>
             <a:endParaRPr lang="en-US" dirty="0"/>
           </a:p>
@@ -5755,7 +5755,7 @@
           <a:p>
             <a:fld id="{4147335C-0450-40D7-8612-B3203BED4F28}" type="datetimeFigureOut">
               <a:rPr lang="en-US" dirty="0"/>
-              <a:t>12/14/2021</a:t>
+              <a:t>12/15/2021</a:t>
             </a:fld>
             <a:endParaRPr lang="en-US" dirty="0"/>
           </a:p>
@@ -6598,7 +6598,7 @@
           <a:p>
             <a:fld id="{D246A105-2A1C-4284-B4EA-07CF89B1A393}" type="datetimeFigureOut">
               <a:rPr lang="en-US" dirty="0"/>
-              <a:t>12/14/2021</a:t>
+              <a:t>12/15/2021</a:t>
             </a:fld>
             <a:endParaRPr lang="en-US" dirty="0"/>
           </a:p>
@@ -6769,7 +6769,7 @@
           <a:p>
             <a:fld id="{80DBE609-F3F2-45E6-BD6A-E03A8C86C1AE}" type="datetimeFigureOut">
               <a:rPr lang="en-US" dirty="0"/>
-              <a:t>12/14/2021</a:t>
+              <a:t>12/15/2021</a:t>
             </a:fld>
             <a:endParaRPr lang="en-US" dirty="0"/>
           </a:p>
@@ -7763,7 +7763,7 @@
           <a:p>
             <a:fld id="{7A24AD68-089C-4467-A8F3-EA2BBCA6B44E}" type="datetimeFigureOut">
               <a:rPr lang="en-US" dirty="0"/>
-              <a:t>12/14/2021</a:t>
+              <a:t>12/15/2021</a:t>
             </a:fld>
             <a:endParaRPr lang="en-US" dirty="0"/>
           </a:p>
@@ -7965,7 +7965,7 @@
           <a:p>
             <a:fld id="{75C51FCE-E4BB-4680-8E50-3C0E348D2609}" type="datetimeFigureOut">
               <a:rPr lang="en-US" dirty="0"/>
-              <a:t>12/14/2021</a:t>
+              <a:t>12/15/2021</a:t>
             </a:fld>
             <a:endParaRPr lang="en-US" dirty="0"/>
           </a:p>
@@ -9023,7 +9023,7 @@
           <a:p>
             <a:fld id="{8AAA073D-A903-47F8-8D16-77642FB0DF1F}" type="datetimeFigureOut">
               <a:rPr lang="en-US" dirty="0"/>
-              <a:t>12/14/2021</a:t>
+              <a:t>12/15/2021</a:t>
             </a:fld>
             <a:endParaRPr lang="en-US" dirty="0"/>
           </a:p>
@@ -9291,7 +9291,7 @@
           <a:p>
             <a:fld id="{AB91FA40-626B-4CA1-85D0-7A9016E395BA}" type="datetimeFigureOut">
               <a:rPr lang="en-US" dirty="0"/>
-              <a:t>12/14/2021</a:t>
+              <a:t>12/15/2021</a:t>
             </a:fld>
             <a:endParaRPr lang="en-US" dirty="0"/>
           </a:p>
@@ -9669,7 +9669,7 @@
           <a:p>
             <a:fld id="{C3F425EA-B9DC-48A7-991E-9A82573B1B21}" type="datetimeFigureOut">
               <a:rPr lang="en-US" dirty="0"/>
-              <a:t>12/14/2021</a:t>
+              <a:t>12/15/2021</a:t>
             </a:fld>
             <a:endParaRPr lang="en-US" dirty="0"/>
           </a:p>
@@ -9783,7 +9783,7 @@
           <a:p>
             <a:fld id="{66CB97F8-6CEB-469B-AFCC-889F2A2B1D5A}" type="datetimeFigureOut">
               <a:rPr lang="en-US" dirty="0"/>
-              <a:t>12/14/2021</a:t>
+              <a:t>12/15/2021</a:t>
             </a:fld>
             <a:endParaRPr lang="en-US" dirty="0"/>
           </a:p>
@@ -9874,7 +9874,7 @@
           <a:p>
             <a:fld id="{8FA9179F-009E-4FA5-B091-7EBB82A185BD}" type="datetimeFigureOut">
               <a:rPr lang="en-US" dirty="0"/>
-              <a:t>12/14/2021</a:t>
+              <a:t>12/15/2021</a:t>
             </a:fld>
             <a:endParaRPr lang="en-US" dirty="0"/>
           </a:p>
@@ -10979,7 +10979,7 @@
           <a:p>
             <a:fld id="{8E665CEB-0076-4E37-B880-BCEA9784DE0A}" type="datetimeFigureOut">
               <a:rPr lang="en-US" dirty="0"/>
-              <a:t>12/14/2021</a:t>
+              <a:t>12/15/2021</a:t>
             </a:fld>
             <a:endParaRPr lang="en-US" dirty="0"/>
           </a:p>
@@ -12108,7 +12108,7 @@
           <a:p>
             <a:fld id="{A6149E5E-3896-4118-99A7-7B85668F1C5E}" type="datetimeFigureOut">
               <a:rPr lang="en-US" dirty="0"/>
-              <a:t>12/14/2021</a:t>
+              <a:t>12/15/2021</a:t>
             </a:fld>
             <a:endParaRPr lang="en-US" dirty="0"/>
           </a:p>
@@ -13132,7 +13132,7 @@
           <a:p>
             <a:fld id="{7E0D914D-B099-4142-A885-11F276715148}" type="datetimeFigureOut">
               <a:rPr lang="en-US" dirty="0"/>
-              <a:t>12/14/2021</a:t>
+              <a:t>12/15/2021</a:t>
             </a:fld>
             <a:endParaRPr lang="en-US" dirty="0"/>
           </a:p>
@@ -16035,8 +16035,47 @@
           <a:p>
             <a:r>
               <a:rPr lang="en-IE" dirty="0"/>
-              <a:t>In depth of one specific user (most likely beginner or average)</a:t>
+              <a:t>Likes to train after work, usually 2 – 3 times a week</a:t>
             </a:r>
+          </a:p>
+          <a:p>
+            <a:r>
+              <a:rPr lang="en-IE" dirty="0"/>
+              <a:t>Trains to stay healthy and get the head free from the daily stress</a:t>
+            </a:r>
+          </a:p>
+          <a:p>
+            <a:endParaRPr lang="en-IE" dirty="0"/>
+          </a:p>
+          <a:p>
+            <a:r>
+              <a:rPr lang="en-IE" dirty="0"/>
+              <a:t>Likes a quiet environment and wants to train on his own</a:t>
+            </a:r>
+          </a:p>
+          <a:p>
+            <a:r>
+              <a:rPr lang="en-IE" dirty="0"/>
+              <a:t>Has good knowledge about Smartphones/Apps and the usage of them</a:t>
+            </a:r>
+          </a:p>
+          <a:p>
+            <a:endParaRPr lang="en-IE" dirty="0"/>
+          </a:p>
+          <a:p>
+            <a:r>
+              <a:rPr lang="en-IE" dirty="0"/>
+              <a:t>Expects the app to help him improve his form and give feedback</a:t>
+            </a:r>
+          </a:p>
+          <a:p>
+            <a:r>
+              <a:rPr lang="en-IE" dirty="0"/>
+              <a:t>Kind of new to deadlifting and therefor needs more advice</a:t>
+            </a:r>
+          </a:p>
+          <a:p>
+            <a:endParaRPr lang="en-IE" dirty="0"/>
           </a:p>
         </p:txBody>
       </p:sp>
@@ -16178,10 +16217,7 @@
             </a:r>
           </a:p>
           <a:p>
-            <a:r>
-              <a:rPr lang="en-IE" b="1" dirty="0"/>
-              <a:t>etc</a:t>
-            </a:r>
+            <a:endParaRPr lang="en-IE" b="1" dirty="0"/>
           </a:p>
           <a:p>
             <a:endParaRPr lang="en-IE" dirty="0"/>

--- a/SetStats_lastRelease.pptx
+++ b/SetStats_lastRelease.pptx
@@ -15654,15 +15654,7 @@
           <a:p>
             <a:r>
               <a:rPr lang="en-IE" dirty="0"/>
-              <a:t>Sensors collect height and sway(</a:t>
-            </a:r>
-            <a:r>
-              <a:rPr lang="en-IE" dirty="0" err="1"/>
-              <a:t>indepth</a:t>
-            </a:r>
-            <a:r>
-              <a:rPr lang="en-IE" dirty="0"/>
-              <a:t> on </a:t>
+              <a:t>Sensors collect height and sway(in depth on </a:t>
             </a:r>
             <a:r>
               <a:rPr lang="en-IE" dirty="0" err="1"/>
@@ -15676,12 +15668,6 @@
           <a:p>
             <a:r>
               <a:rPr lang="en-IE" dirty="0"/>
-              <a:t>Use cellular in future but for demo using hotspot</a:t>
-            </a:r>
-          </a:p>
-          <a:p>
-            <a:r>
-              <a:rPr lang="en-IE" dirty="0"/>
               <a:t>Collect data every .15 sec</a:t>
             </a:r>
           </a:p>
@@ -15698,6 +15684,15 @@
             </a:r>
           </a:p>
           <a:p>
+            <a:r>
+              <a:rPr lang="en-IE" dirty="0"/>
+              <a:t>Use cellular in future but for demo using hotspot</a:t>
+            </a:r>
+          </a:p>
+          <a:p>
+            <a:endParaRPr lang="en-IE" dirty="0"/>
+          </a:p>
+          <a:p>
             <a:endParaRPr lang="en-IE" dirty="0"/>
           </a:p>
           <a:p>
@@ -15705,6 +15700,36 @@
           </a:p>
         </p:txBody>
       </p:sp>
+      <p:pic>
+        <p:nvPicPr>
+          <p:cNvPr id="3" name="Picture 2">
+            <a:extLst>
+              <a:ext uri="{FF2B5EF4-FFF2-40B4-BE49-F238E27FC236}">
+                <a16:creationId xmlns:a16="http://schemas.microsoft.com/office/drawing/2014/main" id="{A7AEBDFB-04AB-4DAA-B670-BB2941446FA3}"/>
+              </a:ext>
+            </a:extLst>
+          </p:cNvPr>
+          <p:cNvPicPr>
+            <a:picLocks noChangeAspect="1"/>
+          </p:cNvPicPr>
+          <p:nvPr/>
+        </p:nvPicPr>
+        <p:blipFill>
+          <a:blip r:embed="rId2"/>
+          <a:stretch>
+            <a:fillRect/>
+          </a:stretch>
+        </p:blipFill>
+        <p:spPr>
+          <a:xfrm>
+            <a:off x="7110345" y="3179213"/>
+            <a:ext cx="4694327" cy="3251482"/>
+          </a:xfrm>
+          <a:prstGeom prst="rect">
+            <a:avLst/>
+          </a:prstGeom>
+        </p:spPr>
+      </p:pic>
     </p:spTree>
     <p:extLst>
       <p:ext uri="{BB962C8B-B14F-4D97-AF65-F5344CB8AC3E}">

--- a/SetStats_lastRelease.pptx
+++ b/SetStats_lastRelease.pptx
@@ -767,7 +767,7 @@
             <a:fld id="{1E700B27-DE4C-4B9E-BB11-B9027034A00F}" type="datetimeFigureOut">
               <a:rPr lang="en-US" dirty="0"/>
               <a:pPr/>
-              <a:t>12/15/2021</a:t>
+              <a:t>12/16/2021</a:t>
             </a:fld>
             <a:endParaRPr lang="en-US" dirty="0"/>
           </a:p>
@@ -1883,7 +1883,7 @@
           <a:p>
             <a:fld id="{C40F4739-9812-4A9F-890D-2AD6BA5F6EE8}" type="datetimeFigureOut">
               <a:rPr lang="en-US" dirty="0"/>
-              <a:t>12/15/2021</a:t>
+              <a:t>12/16/2021</a:t>
             </a:fld>
             <a:endParaRPr lang="en-US" dirty="0"/>
           </a:p>
@@ -2890,7 +2890,7 @@
           <a:p>
             <a:fld id="{18845AC5-A3F8-44AA-BA8F-596CDCC976D3}" type="datetimeFigureOut">
               <a:rPr lang="en-US" dirty="0"/>
-              <a:t>12/15/2021</a:t>
+              <a:t>12/16/2021</a:t>
             </a:fld>
             <a:endParaRPr lang="en-US" dirty="0"/>
           </a:p>
@@ -4056,7 +4056,7 @@
           <a:p>
             <a:fld id="{C873B183-A821-4095-A363-9EC968635539}" type="datetimeFigureOut">
               <a:rPr lang="en-US" dirty="0"/>
-              <a:t>12/15/2021</a:t>
+              <a:t>12/16/2021</a:t>
             </a:fld>
             <a:endParaRPr lang="en-US" dirty="0"/>
           </a:p>
@@ -5113,7 +5113,7 @@
           <a:p>
             <a:fld id="{174D01B4-0AA5-45E6-B2E6-5FA4078AEBCF}" type="datetimeFigureOut">
               <a:rPr lang="en-US" dirty="0"/>
-              <a:t>12/15/2021</a:t>
+              <a:t>12/16/2021</a:t>
             </a:fld>
             <a:endParaRPr lang="en-US" dirty="0"/>
           </a:p>
@@ -5755,7 +5755,7 @@
           <a:p>
             <a:fld id="{4147335C-0450-40D7-8612-B3203BED4F28}" type="datetimeFigureOut">
               <a:rPr lang="en-US" dirty="0"/>
-              <a:t>12/15/2021</a:t>
+              <a:t>12/16/2021</a:t>
             </a:fld>
             <a:endParaRPr lang="en-US" dirty="0"/>
           </a:p>
@@ -6598,7 +6598,7 @@
           <a:p>
             <a:fld id="{D246A105-2A1C-4284-B4EA-07CF89B1A393}" type="datetimeFigureOut">
               <a:rPr lang="en-US" dirty="0"/>
-              <a:t>12/15/2021</a:t>
+              <a:t>12/16/2021</a:t>
             </a:fld>
             <a:endParaRPr lang="en-US" dirty="0"/>
           </a:p>
@@ -6769,7 +6769,7 @@
           <a:p>
             <a:fld id="{80DBE609-F3F2-45E6-BD6A-E03A8C86C1AE}" type="datetimeFigureOut">
               <a:rPr lang="en-US" dirty="0"/>
-              <a:t>12/15/2021</a:t>
+              <a:t>12/16/2021</a:t>
             </a:fld>
             <a:endParaRPr lang="en-US" dirty="0"/>
           </a:p>
@@ -7763,7 +7763,7 @@
           <a:p>
             <a:fld id="{7A24AD68-089C-4467-A8F3-EA2BBCA6B44E}" type="datetimeFigureOut">
               <a:rPr lang="en-US" dirty="0"/>
-              <a:t>12/15/2021</a:t>
+              <a:t>12/16/2021</a:t>
             </a:fld>
             <a:endParaRPr lang="en-US" dirty="0"/>
           </a:p>
@@ -7965,7 +7965,7 @@
           <a:p>
             <a:fld id="{75C51FCE-E4BB-4680-8E50-3C0E348D2609}" type="datetimeFigureOut">
               <a:rPr lang="en-US" dirty="0"/>
-              <a:t>12/15/2021</a:t>
+              <a:t>12/16/2021</a:t>
             </a:fld>
             <a:endParaRPr lang="en-US" dirty="0"/>
           </a:p>
@@ -9023,7 +9023,7 @@
           <a:p>
             <a:fld id="{8AAA073D-A903-47F8-8D16-77642FB0DF1F}" type="datetimeFigureOut">
               <a:rPr lang="en-US" dirty="0"/>
-              <a:t>12/15/2021</a:t>
+              <a:t>12/16/2021</a:t>
             </a:fld>
             <a:endParaRPr lang="en-US" dirty="0"/>
           </a:p>
@@ -9291,7 +9291,7 @@
           <a:p>
             <a:fld id="{AB91FA40-626B-4CA1-85D0-7A9016E395BA}" type="datetimeFigureOut">
               <a:rPr lang="en-US" dirty="0"/>
-              <a:t>12/15/2021</a:t>
+              <a:t>12/16/2021</a:t>
             </a:fld>
             <a:endParaRPr lang="en-US" dirty="0"/>
           </a:p>
@@ -9669,7 +9669,7 @@
           <a:p>
             <a:fld id="{C3F425EA-B9DC-48A7-991E-9A82573B1B21}" type="datetimeFigureOut">
               <a:rPr lang="en-US" dirty="0"/>
-              <a:t>12/15/2021</a:t>
+              <a:t>12/16/2021</a:t>
             </a:fld>
             <a:endParaRPr lang="en-US" dirty="0"/>
           </a:p>
@@ -9783,7 +9783,7 @@
           <a:p>
             <a:fld id="{66CB97F8-6CEB-469B-AFCC-889F2A2B1D5A}" type="datetimeFigureOut">
               <a:rPr lang="en-US" dirty="0"/>
-              <a:t>12/15/2021</a:t>
+              <a:t>12/16/2021</a:t>
             </a:fld>
             <a:endParaRPr lang="en-US" dirty="0"/>
           </a:p>
@@ -9874,7 +9874,7 @@
           <a:p>
             <a:fld id="{8FA9179F-009E-4FA5-B091-7EBB82A185BD}" type="datetimeFigureOut">
               <a:rPr lang="en-US" dirty="0"/>
-              <a:t>12/15/2021</a:t>
+              <a:t>12/16/2021</a:t>
             </a:fld>
             <a:endParaRPr lang="en-US" dirty="0"/>
           </a:p>
@@ -10979,7 +10979,7 @@
           <a:p>
             <a:fld id="{8E665CEB-0076-4E37-B880-BCEA9784DE0A}" type="datetimeFigureOut">
               <a:rPr lang="en-US" dirty="0"/>
-              <a:t>12/15/2021</a:t>
+              <a:t>12/16/2021</a:t>
             </a:fld>
             <a:endParaRPr lang="en-US" dirty="0"/>
           </a:p>
@@ -12108,7 +12108,7 @@
           <a:p>
             <a:fld id="{A6149E5E-3896-4118-99A7-7B85668F1C5E}" type="datetimeFigureOut">
               <a:rPr lang="en-US" dirty="0"/>
-              <a:t>12/15/2021</a:t>
+              <a:t>12/16/2021</a:t>
             </a:fld>
             <a:endParaRPr lang="en-US" dirty="0"/>
           </a:p>
@@ -13132,7 +13132,7 @@
           <a:p>
             <a:fld id="{7E0D914D-B099-4142-A885-11F276715148}" type="datetimeFigureOut">
               <a:rPr lang="en-US" dirty="0"/>
-              <a:t>12/15/2021</a:t>
+              <a:t>12/16/2021</a:t>
             </a:fld>
             <a:endParaRPr lang="en-US" dirty="0"/>
           </a:p>
@@ -15908,15 +15908,7 @@
           <a:p>
             <a:r>
               <a:rPr lang="en-IE" dirty="0"/>
-              <a:t>https using </a:t>
-            </a:r>
-            <a:r>
-              <a:rPr lang="en-IE" dirty="0" err="1"/>
-              <a:t>cloudflare</a:t>
-            </a:r>
-            <a:r>
-              <a:rPr lang="en-IE" dirty="0"/>
-              <a:t>.</a:t>
+              <a:t>https using Cloudflare.</a:t>
             </a:r>
           </a:p>
           <a:p>
@@ -15942,34 +15934,22 @@
           <a:p>
             <a:r>
               <a:rPr lang="en-IE" dirty="0"/>
-              <a:t>Mysql root password so only people with this password, can log into and use Mysql on the instance. </a:t>
+              <a:t>Mysql root password so only people with this password, can log into and use Mysql on the instance.</a:t>
             </a:r>
           </a:p>
           <a:p>
-            <a:r>
-              <a:rPr lang="en-IE" dirty="0"/>
-              <a:t>ETC </a:t>
-            </a:r>
-            <a:r>
-              <a:rPr lang="en-IE" dirty="0" err="1"/>
-              <a:t>ETC</a:t>
-            </a:r>
+            <a:pPr marL="0" indent="0">
+              <a:buNone/>
+            </a:pPr>
             <a:r>
               <a:rPr lang="en-IE" dirty="0"/>
               <a:t> </a:t>
             </a:r>
-            <a:r>
-              <a:rPr lang="en-IE" dirty="0" err="1"/>
-              <a:t>ETC</a:t>
-            </a:r>
-            <a:r>
-              <a:rPr lang="en-IE" dirty="0"/>
-              <a:t> </a:t>
-            </a:r>
-            <a:r>
-              <a:rPr lang="en-IE" dirty="0" err="1"/>
-              <a:t>ETC</a:t>
-            </a:r>
+          </a:p>
+          <a:p>
+            <a:pPr marL="0" indent="0">
+              <a:buNone/>
+            </a:pPr>
             <a:endParaRPr lang="en-IE" dirty="0"/>
           </a:p>
         </p:txBody>
@@ -16229,12 +16209,8 @@
           </a:p>
           <a:p>
             <a:r>
-              <a:rPr lang="en-IE" b="1" dirty="0" err="1"/>
-              <a:t>Maraital</a:t>
-            </a:r>
-            <a:r>
               <a:rPr lang="en-IE" b="1" dirty="0"/>
-              <a:t> Status: </a:t>
+              <a:t>Marital Status: </a:t>
             </a:r>
             <a:r>
               <a:rPr lang="en-IE" dirty="0"/>
